--- a/reference/python0529.pptx
+++ b/reference/python0529.pptx
@@ -2,24 +2,24 @@
 <file path=ppt/presentation.xml><?xml version="1.0" encoding="utf-8"?>
 <p:presentation xmlns:a="http://schemas.openxmlformats.org/drawingml/2006/main" xmlns:r="http://schemas.openxmlformats.org/officeDocument/2006/relationships" xmlns:p="http://schemas.openxmlformats.org/presentationml/2006/main">
   <p:sldMasterIdLst>
-    <p:sldMasterId id="2147483648" r:id="rId5"/>
+    <p:sldMasterId id="2147483648" r:id="rId1"/>
   </p:sldMasterIdLst>
   <p:notesMasterIdLst>
-    <p:notesMasterId r:id="rId7"/>
+    <p:notesMasterId r:id="rId14"/>
   </p:notesMasterIdLst>
   <p:sldIdLst>
-    <p:sldId id="256" r:id="rId8"/>
-    <p:sldId id="257" r:id="rId9"/>
-    <p:sldId id="258" r:id="rId10"/>
-    <p:sldId id="259" r:id="rId11"/>
-    <p:sldId id="260" r:id="rId12"/>
-    <p:sldId id="261" r:id="rId13"/>
-    <p:sldId id="262" r:id="rId14"/>
-    <p:sldId id="263" r:id="rId15"/>
-    <p:sldId id="264" r:id="rId16"/>
-    <p:sldId id="265" r:id="rId17"/>
-    <p:sldId id="266" r:id="rId18"/>
-    <p:sldId id="267" r:id="rId19"/>
+    <p:sldId id="256" r:id="rId2"/>
+    <p:sldId id="257" r:id="rId3"/>
+    <p:sldId id="258" r:id="rId4"/>
+    <p:sldId id="259" r:id="rId5"/>
+    <p:sldId id="260" r:id="rId6"/>
+    <p:sldId id="261" r:id="rId7"/>
+    <p:sldId id="262" r:id="rId8"/>
+    <p:sldId id="263" r:id="rId9"/>
+    <p:sldId id="264" r:id="rId10"/>
+    <p:sldId id="265" r:id="rId11"/>
+    <p:sldId id="266" r:id="rId12"/>
+    <p:sldId id="267" r:id="rId13"/>
   </p:sldIdLst>
   <p:sldSz cx="13004800" cy="9753600"/>
   <p:notesSz cx="6858000" cy="9144000"/>
@@ -39,7 +39,7 @@
       <a:buFontTx/>
       <a:buNone/>
       <a:tabLst/>
-      <a:defRPr b="0" baseline="0" cap="none" i="0" spc="0" strike="noStrike" sz="1800" u="none" kumimoji="0" normalizeH="0">
+      <a:defRPr kumimoji="0" sz="1800" b="0" i="0" u="none" strike="noStrike" cap="none" spc="0" normalizeH="0" baseline="0">
         <a:ln>
           <a:noFill/>
         </a:ln>
@@ -65,7 +65,7 @@
       <a:buFontTx/>
       <a:buNone/>
       <a:tabLst/>
-      <a:defRPr b="1" baseline="0" cap="none" i="0" spc="0" strike="noStrike" sz="2400" u="none" kumimoji="0" normalizeH="0">
+      <a:defRPr kumimoji="0" sz="2400" b="1" i="0" u="none" strike="noStrike" cap="none" spc="0" normalizeH="0" baseline="0">
         <a:ln>
           <a:noFill/>
         </a:ln>
@@ -95,7 +95,7 @@
       <a:buFontTx/>
       <a:buNone/>
       <a:tabLst/>
-      <a:defRPr b="1" baseline="0" cap="none" i="0" spc="0" strike="noStrike" sz="2400" u="none" kumimoji="0" normalizeH="0">
+      <a:defRPr kumimoji="0" sz="2400" b="1" i="0" u="none" strike="noStrike" cap="none" spc="0" normalizeH="0" baseline="0">
         <a:ln>
           <a:noFill/>
         </a:ln>
@@ -125,7 +125,7 @@
       <a:buFontTx/>
       <a:buNone/>
       <a:tabLst/>
-      <a:defRPr b="1" baseline="0" cap="none" i="0" spc="0" strike="noStrike" sz="2400" u="none" kumimoji="0" normalizeH="0">
+      <a:defRPr kumimoji="0" sz="2400" b="1" i="0" u="none" strike="noStrike" cap="none" spc="0" normalizeH="0" baseline="0">
         <a:ln>
           <a:noFill/>
         </a:ln>
@@ -155,7 +155,7 @@
       <a:buFontTx/>
       <a:buNone/>
       <a:tabLst/>
-      <a:defRPr b="1" baseline="0" cap="none" i="0" spc="0" strike="noStrike" sz="2400" u="none" kumimoji="0" normalizeH="0">
+      <a:defRPr kumimoji="0" sz="2400" b="1" i="0" u="none" strike="noStrike" cap="none" spc="0" normalizeH="0" baseline="0">
         <a:ln>
           <a:noFill/>
         </a:ln>
@@ -185,7 +185,7 @@
       <a:buFontTx/>
       <a:buNone/>
       <a:tabLst/>
-      <a:defRPr b="1" baseline="0" cap="none" i="0" spc="0" strike="noStrike" sz="2400" u="none" kumimoji="0" normalizeH="0">
+      <a:defRPr kumimoji="0" sz="2400" b="1" i="0" u="none" strike="noStrike" cap="none" spc="0" normalizeH="0" baseline="0">
         <a:ln>
           <a:noFill/>
         </a:ln>
@@ -215,7 +215,7 @@
       <a:buFontTx/>
       <a:buNone/>
       <a:tabLst/>
-      <a:defRPr b="1" baseline="0" cap="none" i="0" spc="0" strike="noStrike" sz="2400" u="none" kumimoji="0" normalizeH="0">
+      <a:defRPr kumimoji="0" sz="2400" b="1" i="0" u="none" strike="noStrike" cap="none" spc="0" normalizeH="0" baseline="0">
         <a:ln>
           <a:noFill/>
         </a:ln>
@@ -245,7 +245,7 @@
       <a:buFontTx/>
       <a:buNone/>
       <a:tabLst/>
-      <a:defRPr b="1" baseline="0" cap="none" i="0" spc="0" strike="noStrike" sz="2400" u="none" kumimoji="0" normalizeH="0">
+      <a:defRPr kumimoji="0" sz="2400" b="1" i="0" u="none" strike="noStrike" cap="none" spc="0" normalizeH="0" baseline="0">
         <a:ln>
           <a:noFill/>
         </a:ln>
@@ -275,7 +275,7 @@
       <a:buFontTx/>
       <a:buNone/>
       <a:tabLst/>
-      <a:defRPr b="1" baseline="0" cap="none" i="0" spc="0" strike="noStrike" sz="2400" u="none" kumimoji="0" normalizeH="0">
+      <a:defRPr kumimoji="0" sz="2400" b="1" i="0" u="none" strike="noStrike" cap="none" spc="0" normalizeH="0" baseline="0">
         <a:ln>
           <a:noFill/>
         </a:ln>
@@ -305,7 +305,7 @@
       <a:buFontTx/>
       <a:buNone/>
       <a:tabLst/>
-      <a:defRPr b="1" baseline="0" cap="none" i="0" spc="0" strike="noStrike" sz="2400" u="none" kumimoji="0" normalizeH="0">
+      <a:defRPr kumimoji="0" sz="2400" b="1" i="0" u="none" strike="noStrike" cap="none" spc="0" normalizeH="0" baseline="0">
         <a:ln>
           <a:noFill/>
         </a:ln>
@@ -324,13 +324,14 @@
 </p:presentation>
 </file>
 
-<file path=ppt/commentAuthors.xml><?xml version="1.0" encoding="utf-8"?>
-<p:cmAuthorLst xmlns:a="http://schemas.openxmlformats.org/drawingml/2006/main" xmlns:r="http://schemas.openxmlformats.org/officeDocument/2006/relationships" xmlns:p="http://schemas.openxmlformats.org/presentationml/2006/main"/>
-</file>
-
 <file path=ppt/notesMasters/notesMaster1.xml><?xml version="1.0" encoding="utf-8"?>
 <p:notesMaster xmlns:a="http://schemas.openxmlformats.org/drawingml/2006/main" xmlns:r="http://schemas.openxmlformats.org/officeDocument/2006/relationships" xmlns:p="http://schemas.openxmlformats.org/presentationml/2006/main">
   <p:cSld>
+    <p:bg>
+      <p:bgRef idx="1001">
+        <a:schemeClr val="bg1"/>
+      </p:bgRef>
+    </p:bg>
     <p:spTree>
       <p:nvGrpSpPr>
         <p:cNvPr id="1" name=""/>
@@ -348,7 +349,9 @@
       <p:sp>
         <p:nvSpPr>
           <p:cNvPr id="116" name="Shape 116"/>
-          <p:cNvSpPr/>
+          <p:cNvSpPr>
+            <a:spLocks noGrp="1" noRot="1" noChangeAspect="1"/>
+          </p:cNvSpPr>
           <p:nvPr>
             <p:ph type="sldImg"/>
           </p:nvPr>
@@ -366,14 +369,16 @@
           <a:bodyPr/>
           <a:lstStyle/>
           <a:p>
-            <a:pPr/>
+            <a:endParaRPr/>
           </a:p>
         </p:txBody>
       </p:sp>
       <p:sp>
         <p:nvSpPr>
           <p:cNvPr id="117" name="Shape 117"/>
-          <p:cNvSpPr/>
+          <p:cNvSpPr>
+            <a:spLocks noGrp="1"/>
+          </p:cNvSpPr>
           <p:nvPr>
             <p:ph type="body" sz="quarter" idx="1"/>
           </p:nvPr>
@@ -391,7 +396,7 @@
           <a:bodyPr/>
           <a:lstStyle/>
           <a:p>
-            <a:pPr/>
+            <a:endParaRPr/>
           </a:p>
         </p:txBody>
       </p:sp>
@@ -503,7 +508,7 @@
 </file>
 
 <file path=ppt/slideLayouts/slideLayout1.xml><?xml version="1.0" encoding="utf-8"?>
-<p:sldLayout xmlns:a="http://schemas.openxmlformats.org/drawingml/2006/main" xmlns:r="http://schemas.openxmlformats.org/officeDocument/2006/relationships" xmlns:p="http://schemas.openxmlformats.org/presentationml/2006/main" type="title" showMasterSp="1" showMasterPhAnim="1">
+<p:sldLayout xmlns:a="http://schemas.openxmlformats.org/drawingml/2006/main" xmlns:r="http://schemas.openxmlformats.org/officeDocument/2006/relationships" xmlns:p="http://schemas.openxmlformats.org/presentationml/2006/main" type="title">
   <p:cSld name="제목 및 부제">
     <p:spTree>
       <p:nvGrpSpPr>
@@ -522,7 +527,9 @@
       <p:sp>
         <p:nvSpPr>
           <p:cNvPr id="11" name="제목 텍스트"/>
-          <p:cNvSpPr txBox="1"/>
+          <p:cNvSpPr txBox="1">
+            <a:spLocks noGrp="1"/>
+          </p:cNvSpPr>
           <p:nvPr>
             <p:ph type="title"/>
           </p:nvPr>
@@ -540,7 +547,6 @@
           <a:bodyPr anchor="b"/>
           <a:lstStyle/>
           <a:p>
-            <a:pPr/>
             <a:r>
               <a:t>제목 텍스트</a:t>
             </a:r>
@@ -550,7 +556,9 @@
       <p:sp>
         <p:nvSpPr>
           <p:cNvPr id="12" name="본문 첫 번째 줄…"/>
-          <p:cNvSpPr txBox="1"/>
+          <p:cNvSpPr txBox="1">
+            <a:spLocks noGrp="1"/>
+          </p:cNvSpPr>
           <p:nvPr>
             <p:ph type="body" sz="quarter" idx="1"/>
           </p:nvPr>
@@ -609,7 +617,6 @@
             </a:lvl5pPr>
           </a:lstStyle>
           <a:p>
-            <a:pPr/>
             <a:r>
               <a:t>본문 첫 번째 줄</a:t>
             </a:r>
@@ -643,7 +650,9 @@
       <p:sp>
         <p:nvSpPr>
           <p:cNvPr id="13" name="슬라이드 번호"/>
-          <p:cNvSpPr txBox="1"/>
+          <p:cNvSpPr txBox="1">
+            <a:spLocks noGrp="1"/>
+          </p:cNvSpPr>
           <p:nvPr>
             <p:ph type="sldNum" sz="quarter" idx="2"/>
           </p:nvPr>
@@ -666,8 +675,10 @@
             </a:lvl1pPr>
           </a:lstStyle>
           <a:p>
-            <a:pPr/>
-            <a:fld id="{86CB4B4D-7CA3-9044-876B-883B54F8677D}" type="slidenum"/>
+            <a:fld id="{86CB4B4D-7CA3-9044-876B-883B54F8677D}" type="slidenum">
+              <a:t>‹#›</a:t>
+            </a:fld>
+            <a:endParaRPr/>
           </a:p>
         </p:txBody>
       </p:sp>
@@ -676,12 +687,12 @@
   <p:clrMapOvr>
     <a:masterClrMapping/>
   </p:clrMapOvr>
-  <p:transition xmlns:p14="http://schemas.microsoft.com/office/powerpoint/2010/main" spd="med" advClick="1"/>
+  <p:transition spd="med"/>
 </p:sldLayout>
 </file>
 
 <file path=ppt/slideLayouts/slideLayout10.xml><?xml version="1.0" encoding="utf-8"?>
-<p:sldLayout xmlns:a="http://schemas.openxmlformats.org/drawingml/2006/main" xmlns:r="http://schemas.openxmlformats.org/officeDocument/2006/relationships" xmlns:p="http://schemas.openxmlformats.org/presentationml/2006/main" type="tx" showMasterSp="1" showMasterPhAnim="1">
+<p:sldLayout xmlns:a="http://schemas.openxmlformats.org/drawingml/2006/main" xmlns:r="http://schemas.openxmlformats.org/officeDocument/2006/relationships" xmlns:p="http://schemas.openxmlformats.org/presentationml/2006/main" type="tx">
   <p:cSld name="인용">
     <p:spTree>
       <p:nvGrpSpPr>
@@ -700,7 +711,9 @@
       <p:sp>
         <p:nvSpPr>
           <p:cNvPr id="93" name="–Johnny Appleseed"/>
-          <p:cNvSpPr txBox="1"/>
+          <p:cNvSpPr txBox="1">
+            <a:spLocks noGrp="1"/>
+          </p:cNvSpPr>
           <p:nvPr>
             <p:ph type="body" sz="quarter" idx="13"/>
           </p:nvPr>
@@ -725,11 +738,10 @@
               </a:spcBef>
               <a:buSzTx/>
               <a:buNone/>
-              <a:defRPr i="1" sz="2400"/>
+              <a:defRPr sz="2400" i="1"/>
             </a:lvl1pPr>
           </a:lstStyle>
           <a:p>
-            <a:pPr/>
             <a:r>
               <a:t>–Johnny Appleseed</a:t>
             </a:r>
@@ -739,7 +751,9 @@
       <p:sp>
         <p:nvSpPr>
           <p:cNvPr id="94" name="“여기에 인용을 입력하십시오.”"/>
-          <p:cNvSpPr txBox="1"/>
+          <p:cNvSpPr txBox="1">
+            <a:spLocks noGrp="1"/>
+          </p:cNvSpPr>
           <p:nvPr>
             <p:ph type="body" sz="quarter" idx="14"/>
           </p:nvPr>
@@ -773,7 +787,6 @@
             </a:lvl1pPr>
           </a:lstStyle>
           <a:p>
-            <a:pPr/>
             <a:r>
               <a:t>“여기에 인용을 입력하십시오.” </a:t>
             </a:r>
@@ -783,7 +796,9 @@
       <p:sp>
         <p:nvSpPr>
           <p:cNvPr id="95" name="슬라이드 번호"/>
-          <p:cNvSpPr txBox="1"/>
+          <p:cNvSpPr txBox="1">
+            <a:spLocks noGrp="1"/>
+          </p:cNvSpPr>
           <p:nvPr>
             <p:ph type="sldNum" sz="quarter" idx="2"/>
           </p:nvPr>
@@ -797,8 +812,10 @@
           <a:bodyPr/>
           <a:lstStyle/>
           <a:p>
-            <a:pPr/>
-            <a:fld id="{86CB4B4D-7CA3-9044-876B-883B54F8677D}" type="slidenum"/>
+            <a:fld id="{86CB4B4D-7CA3-9044-876B-883B54F8677D}" type="slidenum">
+              <a:t>‹#›</a:t>
+            </a:fld>
+            <a:endParaRPr/>
           </a:p>
         </p:txBody>
       </p:sp>
@@ -807,12 +824,12 @@
   <p:clrMapOvr>
     <a:masterClrMapping/>
   </p:clrMapOvr>
-  <p:transition xmlns:p14="http://schemas.microsoft.com/office/powerpoint/2010/main" spd="med" advClick="1"/>
+  <p:transition spd="med"/>
 </p:sldLayout>
 </file>
 
 <file path=ppt/slideLayouts/slideLayout11.xml><?xml version="1.0" encoding="utf-8"?>
-<p:sldLayout xmlns:a="http://schemas.openxmlformats.org/drawingml/2006/main" xmlns:r="http://schemas.openxmlformats.org/officeDocument/2006/relationships" xmlns:p="http://schemas.openxmlformats.org/presentationml/2006/main" type="tx" showMasterSp="1" showMasterPhAnim="1">
+<p:sldLayout xmlns:a="http://schemas.openxmlformats.org/drawingml/2006/main" xmlns:r="http://schemas.openxmlformats.org/officeDocument/2006/relationships" xmlns:p="http://schemas.openxmlformats.org/presentationml/2006/main" type="tx">
   <p:cSld name="사진">
     <p:spTree>
       <p:nvGrpSpPr>
@@ -831,7 +848,9 @@
       <p:sp>
         <p:nvSpPr>
           <p:cNvPr id="102" name="이미지"/>
-          <p:cNvSpPr/>
+          <p:cNvSpPr>
+            <a:spLocks noGrp="1"/>
+          </p:cNvSpPr>
           <p:nvPr>
             <p:ph type="pic" idx="13"/>
           </p:nvPr>
@@ -851,14 +870,16 @@
           </a:bodyPr>
           <a:lstStyle/>
           <a:p>
-            <a:pPr/>
+            <a:endParaRPr/>
           </a:p>
         </p:txBody>
       </p:sp>
       <p:sp>
         <p:nvSpPr>
           <p:cNvPr id="103" name="슬라이드 번호"/>
-          <p:cNvSpPr txBox="1"/>
+          <p:cNvSpPr txBox="1">
+            <a:spLocks noGrp="1"/>
+          </p:cNvSpPr>
           <p:nvPr>
             <p:ph type="sldNum" sz="quarter" idx="2"/>
           </p:nvPr>
@@ -872,8 +893,10 @@
           <a:bodyPr/>
           <a:lstStyle/>
           <a:p>
-            <a:pPr/>
-            <a:fld id="{86CB4B4D-7CA3-9044-876B-883B54F8677D}" type="slidenum"/>
+            <a:fld id="{86CB4B4D-7CA3-9044-876B-883B54F8677D}" type="slidenum">
+              <a:t>‹#›</a:t>
+            </a:fld>
+            <a:endParaRPr/>
           </a:p>
         </p:txBody>
       </p:sp>
@@ -882,12 +905,12 @@
   <p:clrMapOvr>
     <a:masterClrMapping/>
   </p:clrMapOvr>
-  <p:transition xmlns:p14="http://schemas.microsoft.com/office/powerpoint/2010/main" spd="med" advClick="1"/>
+  <p:transition spd="med"/>
 </p:sldLayout>
 </file>
 
 <file path=ppt/slideLayouts/slideLayout12.xml><?xml version="1.0" encoding="utf-8"?>
-<p:sldLayout xmlns:a="http://schemas.openxmlformats.org/drawingml/2006/main" xmlns:r="http://schemas.openxmlformats.org/officeDocument/2006/relationships" xmlns:p="http://schemas.openxmlformats.org/presentationml/2006/main" type="tx" showMasterSp="1" showMasterPhAnim="1">
+<p:sldLayout xmlns:a="http://schemas.openxmlformats.org/drawingml/2006/main" xmlns:r="http://schemas.openxmlformats.org/officeDocument/2006/relationships" xmlns:p="http://schemas.openxmlformats.org/presentationml/2006/main" type="tx">
   <p:cSld name="빈 페이지">
     <p:spTree>
       <p:nvGrpSpPr>
@@ -906,7 +929,9 @@
       <p:sp>
         <p:nvSpPr>
           <p:cNvPr id="110" name="슬라이드 번호"/>
-          <p:cNvSpPr txBox="1"/>
+          <p:cNvSpPr txBox="1">
+            <a:spLocks noGrp="1"/>
+          </p:cNvSpPr>
           <p:nvPr>
             <p:ph type="sldNum" sz="quarter" idx="2"/>
           </p:nvPr>
@@ -920,8 +945,10 @@
           <a:bodyPr/>
           <a:lstStyle/>
           <a:p>
-            <a:pPr/>
-            <a:fld id="{86CB4B4D-7CA3-9044-876B-883B54F8677D}" type="slidenum"/>
+            <a:fld id="{86CB4B4D-7CA3-9044-876B-883B54F8677D}" type="slidenum">
+              <a:t>‹#›</a:t>
+            </a:fld>
+            <a:endParaRPr/>
           </a:p>
         </p:txBody>
       </p:sp>
@@ -930,12 +957,12 @@
   <p:clrMapOvr>
     <a:masterClrMapping/>
   </p:clrMapOvr>
-  <p:transition xmlns:p14="http://schemas.microsoft.com/office/powerpoint/2010/main" spd="med" advClick="1"/>
+  <p:transition spd="med"/>
 </p:sldLayout>
 </file>
 
 <file path=ppt/slideLayouts/slideLayout2.xml><?xml version="1.0" encoding="utf-8"?>
-<p:sldLayout xmlns:a="http://schemas.openxmlformats.org/drawingml/2006/main" xmlns:r="http://schemas.openxmlformats.org/officeDocument/2006/relationships" xmlns:p="http://schemas.openxmlformats.org/presentationml/2006/main" type="tx" showMasterSp="1" showMasterPhAnim="1">
+<p:sldLayout xmlns:a="http://schemas.openxmlformats.org/drawingml/2006/main" xmlns:r="http://schemas.openxmlformats.org/officeDocument/2006/relationships" xmlns:p="http://schemas.openxmlformats.org/presentationml/2006/main" type="tx">
   <p:cSld name="사진 - 수평">
     <p:spTree>
       <p:nvGrpSpPr>
@@ -954,7 +981,9 @@
       <p:sp>
         <p:nvSpPr>
           <p:cNvPr id="20" name="이미지"/>
-          <p:cNvSpPr/>
+          <p:cNvSpPr>
+            <a:spLocks noGrp="1"/>
+          </p:cNvSpPr>
           <p:nvPr>
             <p:ph type="pic" idx="13"/>
           </p:nvPr>
@@ -974,14 +1003,16 @@
           </a:bodyPr>
           <a:lstStyle/>
           <a:p>
-            <a:pPr/>
+            <a:endParaRPr/>
           </a:p>
         </p:txBody>
       </p:sp>
       <p:sp>
         <p:nvSpPr>
           <p:cNvPr id="21" name="제목 텍스트"/>
-          <p:cNvSpPr txBox="1"/>
+          <p:cNvSpPr txBox="1">
+            <a:spLocks noGrp="1"/>
+          </p:cNvSpPr>
           <p:nvPr>
             <p:ph type="title"/>
           </p:nvPr>
@@ -999,7 +1030,6 @@
           <a:bodyPr anchor="b"/>
           <a:lstStyle/>
           <a:p>
-            <a:pPr/>
             <a:r>
               <a:t>제목 텍스트</a:t>
             </a:r>
@@ -1009,7 +1039,9 @@
       <p:sp>
         <p:nvSpPr>
           <p:cNvPr id="22" name="본문 첫 번째 줄…"/>
-          <p:cNvSpPr txBox="1"/>
+          <p:cNvSpPr txBox="1">
+            <a:spLocks noGrp="1"/>
+          </p:cNvSpPr>
           <p:nvPr>
             <p:ph type="body" sz="quarter" idx="1"/>
           </p:nvPr>
@@ -1068,7 +1100,6 @@
             </a:lvl5pPr>
           </a:lstStyle>
           <a:p>
-            <a:pPr/>
             <a:r>
               <a:t>본문 첫 번째 줄</a:t>
             </a:r>
@@ -1102,7 +1133,9 @@
       <p:sp>
         <p:nvSpPr>
           <p:cNvPr id="23" name="슬라이드 번호"/>
-          <p:cNvSpPr txBox="1"/>
+          <p:cNvSpPr txBox="1">
+            <a:spLocks noGrp="1"/>
+          </p:cNvSpPr>
           <p:nvPr>
             <p:ph type="sldNum" sz="quarter" idx="2"/>
           </p:nvPr>
@@ -1116,8 +1149,10 @@
           <a:bodyPr/>
           <a:lstStyle/>
           <a:p>
-            <a:pPr/>
-            <a:fld id="{86CB4B4D-7CA3-9044-876B-883B54F8677D}" type="slidenum"/>
+            <a:fld id="{86CB4B4D-7CA3-9044-876B-883B54F8677D}" type="slidenum">
+              <a:t>‹#›</a:t>
+            </a:fld>
+            <a:endParaRPr/>
           </a:p>
         </p:txBody>
       </p:sp>
@@ -1126,12 +1161,12 @@
   <p:clrMapOvr>
     <a:masterClrMapping/>
   </p:clrMapOvr>
-  <p:transition xmlns:p14="http://schemas.microsoft.com/office/powerpoint/2010/main" spd="med" advClick="1"/>
+  <p:transition spd="med"/>
 </p:sldLayout>
 </file>
 
 <file path=ppt/slideLayouts/slideLayout3.xml><?xml version="1.0" encoding="utf-8"?>
-<p:sldLayout xmlns:a="http://schemas.openxmlformats.org/drawingml/2006/main" xmlns:r="http://schemas.openxmlformats.org/officeDocument/2006/relationships" xmlns:p="http://schemas.openxmlformats.org/presentationml/2006/main" type="tx" showMasterSp="1" showMasterPhAnim="1">
+<p:sldLayout xmlns:a="http://schemas.openxmlformats.org/drawingml/2006/main" xmlns:r="http://schemas.openxmlformats.org/officeDocument/2006/relationships" xmlns:p="http://schemas.openxmlformats.org/presentationml/2006/main" type="tx">
   <p:cSld name="제목 - 가운데">
     <p:spTree>
       <p:nvGrpSpPr>
@@ -1150,7 +1185,9 @@
       <p:sp>
         <p:nvSpPr>
           <p:cNvPr id="30" name="제목 텍스트"/>
-          <p:cNvSpPr txBox="1"/>
+          <p:cNvSpPr txBox="1">
+            <a:spLocks noGrp="1"/>
+          </p:cNvSpPr>
           <p:nvPr>
             <p:ph type="title"/>
           </p:nvPr>
@@ -1168,7 +1205,6 @@
           <a:bodyPr/>
           <a:lstStyle/>
           <a:p>
-            <a:pPr/>
             <a:r>
               <a:t>제목 텍스트</a:t>
             </a:r>
@@ -1178,7 +1214,9 @@
       <p:sp>
         <p:nvSpPr>
           <p:cNvPr id="31" name="슬라이드 번호"/>
-          <p:cNvSpPr txBox="1"/>
+          <p:cNvSpPr txBox="1">
+            <a:spLocks noGrp="1"/>
+          </p:cNvSpPr>
           <p:nvPr>
             <p:ph type="sldNum" sz="quarter" idx="2"/>
           </p:nvPr>
@@ -1192,8 +1230,10 @@
           <a:bodyPr/>
           <a:lstStyle/>
           <a:p>
-            <a:pPr/>
-            <a:fld id="{86CB4B4D-7CA3-9044-876B-883B54F8677D}" type="slidenum"/>
+            <a:fld id="{86CB4B4D-7CA3-9044-876B-883B54F8677D}" type="slidenum">
+              <a:t>‹#›</a:t>
+            </a:fld>
+            <a:endParaRPr/>
           </a:p>
         </p:txBody>
       </p:sp>
@@ -1202,12 +1242,12 @@
   <p:clrMapOvr>
     <a:masterClrMapping/>
   </p:clrMapOvr>
-  <p:transition xmlns:p14="http://schemas.microsoft.com/office/powerpoint/2010/main" spd="med" advClick="1"/>
+  <p:transition spd="med"/>
 </p:sldLayout>
 </file>
 
 <file path=ppt/slideLayouts/slideLayout4.xml><?xml version="1.0" encoding="utf-8"?>
-<p:sldLayout xmlns:a="http://schemas.openxmlformats.org/drawingml/2006/main" xmlns:r="http://schemas.openxmlformats.org/officeDocument/2006/relationships" xmlns:p="http://schemas.openxmlformats.org/presentationml/2006/main" type="tx" showMasterSp="1" showMasterPhAnim="1">
+<p:sldLayout xmlns:a="http://schemas.openxmlformats.org/drawingml/2006/main" xmlns:r="http://schemas.openxmlformats.org/officeDocument/2006/relationships" xmlns:p="http://schemas.openxmlformats.org/presentationml/2006/main" type="tx">
   <p:cSld name="사진 - 수직">
     <p:spTree>
       <p:nvGrpSpPr>
@@ -1226,7 +1266,9 @@
       <p:sp>
         <p:nvSpPr>
           <p:cNvPr id="38" name="이미지"/>
-          <p:cNvSpPr/>
+          <p:cNvSpPr>
+            <a:spLocks noGrp="1"/>
+          </p:cNvSpPr>
           <p:nvPr>
             <p:ph type="pic" sz="half" idx="13"/>
           </p:nvPr>
@@ -1246,14 +1288,16 @@
           </a:bodyPr>
           <a:lstStyle/>
           <a:p>
-            <a:pPr/>
+            <a:endParaRPr/>
           </a:p>
         </p:txBody>
       </p:sp>
       <p:sp>
         <p:nvSpPr>
           <p:cNvPr id="39" name="제목 텍스트"/>
-          <p:cNvSpPr txBox="1"/>
+          <p:cNvSpPr txBox="1">
+            <a:spLocks noGrp="1"/>
+          </p:cNvSpPr>
           <p:nvPr>
             <p:ph type="title"/>
           </p:nvPr>
@@ -1275,7 +1319,6 @@
             </a:lvl1pPr>
           </a:lstStyle>
           <a:p>
-            <a:pPr/>
             <a:r>
               <a:t>제목 텍스트</a:t>
             </a:r>
@@ -1285,7 +1328,9 @@
       <p:sp>
         <p:nvSpPr>
           <p:cNvPr id="40" name="본문 첫 번째 줄…"/>
-          <p:cNvSpPr txBox="1"/>
+          <p:cNvSpPr txBox="1">
+            <a:spLocks noGrp="1"/>
+          </p:cNvSpPr>
           <p:nvPr>
             <p:ph type="body" sz="quarter" idx="1"/>
           </p:nvPr>
@@ -1344,7 +1389,6 @@
             </a:lvl5pPr>
           </a:lstStyle>
           <a:p>
-            <a:pPr/>
             <a:r>
               <a:t>본문 첫 번째 줄</a:t>
             </a:r>
@@ -1378,7 +1422,9 @@
       <p:sp>
         <p:nvSpPr>
           <p:cNvPr id="41" name="슬라이드 번호"/>
-          <p:cNvSpPr txBox="1"/>
+          <p:cNvSpPr txBox="1">
+            <a:spLocks noGrp="1"/>
+          </p:cNvSpPr>
           <p:nvPr>
             <p:ph type="sldNum" sz="quarter" idx="2"/>
           </p:nvPr>
@@ -1392,8 +1438,10 @@
           <a:bodyPr/>
           <a:lstStyle/>
           <a:p>
-            <a:pPr/>
-            <a:fld id="{86CB4B4D-7CA3-9044-876B-883B54F8677D}" type="slidenum"/>
+            <a:fld id="{86CB4B4D-7CA3-9044-876B-883B54F8677D}" type="slidenum">
+              <a:t>‹#›</a:t>
+            </a:fld>
+            <a:endParaRPr/>
           </a:p>
         </p:txBody>
       </p:sp>
@@ -1402,12 +1450,12 @@
   <p:clrMapOvr>
     <a:masterClrMapping/>
   </p:clrMapOvr>
-  <p:transition xmlns:p14="http://schemas.microsoft.com/office/powerpoint/2010/main" spd="med" advClick="1"/>
+  <p:transition spd="med"/>
 </p:sldLayout>
 </file>
 
 <file path=ppt/slideLayouts/slideLayout5.xml><?xml version="1.0" encoding="utf-8"?>
-<p:sldLayout xmlns:a="http://schemas.openxmlformats.org/drawingml/2006/main" xmlns:r="http://schemas.openxmlformats.org/officeDocument/2006/relationships" xmlns:p="http://schemas.openxmlformats.org/presentationml/2006/main" type="tx" showMasterSp="1" showMasterPhAnim="1">
+<p:sldLayout xmlns:a="http://schemas.openxmlformats.org/drawingml/2006/main" xmlns:r="http://schemas.openxmlformats.org/officeDocument/2006/relationships" xmlns:p="http://schemas.openxmlformats.org/presentationml/2006/main" type="tx">
   <p:cSld name="제목 - 상단">
     <p:spTree>
       <p:nvGrpSpPr>
@@ -1426,7 +1474,9 @@
       <p:sp>
         <p:nvSpPr>
           <p:cNvPr id="48" name="제목 텍스트"/>
-          <p:cNvSpPr txBox="1"/>
+          <p:cNvSpPr txBox="1">
+            <a:spLocks noGrp="1"/>
+          </p:cNvSpPr>
           <p:nvPr>
             <p:ph type="title"/>
           </p:nvPr>
@@ -1440,7 +1490,6 @@
           <a:bodyPr/>
           <a:lstStyle/>
           <a:p>
-            <a:pPr/>
             <a:r>
               <a:t>제목 텍스트</a:t>
             </a:r>
@@ -1450,7 +1499,9 @@
       <p:sp>
         <p:nvSpPr>
           <p:cNvPr id="49" name="슬라이드 번호"/>
-          <p:cNvSpPr txBox="1"/>
+          <p:cNvSpPr txBox="1">
+            <a:spLocks noGrp="1"/>
+          </p:cNvSpPr>
           <p:nvPr>
             <p:ph type="sldNum" sz="quarter" idx="2"/>
           </p:nvPr>
@@ -1464,8 +1515,10 @@
           <a:bodyPr/>
           <a:lstStyle/>
           <a:p>
-            <a:pPr/>
-            <a:fld id="{86CB4B4D-7CA3-9044-876B-883B54F8677D}" type="slidenum"/>
+            <a:fld id="{86CB4B4D-7CA3-9044-876B-883B54F8677D}" type="slidenum">
+              <a:t>‹#›</a:t>
+            </a:fld>
+            <a:endParaRPr/>
           </a:p>
         </p:txBody>
       </p:sp>
@@ -1474,12 +1527,12 @@
   <p:clrMapOvr>
     <a:masterClrMapping/>
   </p:clrMapOvr>
-  <p:transition xmlns:p14="http://schemas.microsoft.com/office/powerpoint/2010/main" spd="med" advClick="1"/>
+  <p:transition spd="med"/>
 </p:sldLayout>
 </file>
 
 <file path=ppt/slideLayouts/slideLayout6.xml><?xml version="1.0" encoding="utf-8"?>
-<p:sldLayout xmlns:a="http://schemas.openxmlformats.org/drawingml/2006/main" xmlns:r="http://schemas.openxmlformats.org/officeDocument/2006/relationships" xmlns:p="http://schemas.openxmlformats.org/presentationml/2006/main" type="tx" showMasterSp="1" showMasterPhAnim="1">
+<p:sldLayout xmlns:a="http://schemas.openxmlformats.org/drawingml/2006/main" xmlns:r="http://schemas.openxmlformats.org/officeDocument/2006/relationships" xmlns:p="http://schemas.openxmlformats.org/presentationml/2006/main" type="tx">
   <p:cSld name="제목 및 구분점">
     <p:spTree>
       <p:nvGrpSpPr>
@@ -1498,7 +1551,9 @@
       <p:sp>
         <p:nvSpPr>
           <p:cNvPr id="56" name="제목 텍스트"/>
-          <p:cNvSpPr txBox="1"/>
+          <p:cNvSpPr txBox="1">
+            <a:spLocks noGrp="1"/>
+          </p:cNvSpPr>
           <p:nvPr>
             <p:ph type="title"/>
           </p:nvPr>
@@ -1512,7 +1567,6 @@
           <a:bodyPr/>
           <a:lstStyle/>
           <a:p>
-            <a:pPr/>
             <a:r>
               <a:t>제목 텍스트</a:t>
             </a:r>
@@ -1522,7 +1576,9 @@
       <p:sp>
         <p:nvSpPr>
           <p:cNvPr id="57" name="본문 첫 번째 줄…"/>
-          <p:cNvSpPr txBox="1"/>
+          <p:cNvSpPr txBox="1">
+            <a:spLocks noGrp="1"/>
+          </p:cNvSpPr>
           <p:nvPr>
             <p:ph type="body" idx="1"/>
           </p:nvPr>
@@ -1536,7 +1592,6 @@
           <a:bodyPr/>
           <a:lstStyle/>
           <a:p>
-            <a:pPr/>
             <a:r>
               <a:t>본문 첫 번째 줄</a:t>
             </a:r>
@@ -1570,7 +1625,9 @@
       <p:sp>
         <p:nvSpPr>
           <p:cNvPr id="58" name="슬라이드 번호"/>
-          <p:cNvSpPr txBox="1"/>
+          <p:cNvSpPr txBox="1">
+            <a:spLocks noGrp="1"/>
+          </p:cNvSpPr>
           <p:nvPr>
             <p:ph type="sldNum" sz="quarter" idx="2"/>
           </p:nvPr>
@@ -1584,8 +1641,10 @@
           <a:bodyPr/>
           <a:lstStyle/>
           <a:p>
-            <a:pPr/>
-            <a:fld id="{86CB4B4D-7CA3-9044-876B-883B54F8677D}" type="slidenum"/>
+            <a:fld id="{86CB4B4D-7CA3-9044-876B-883B54F8677D}" type="slidenum">
+              <a:t>‹#›</a:t>
+            </a:fld>
+            <a:endParaRPr/>
           </a:p>
         </p:txBody>
       </p:sp>
@@ -1594,12 +1653,12 @@
   <p:clrMapOvr>
     <a:masterClrMapping/>
   </p:clrMapOvr>
-  <p:transition xmlns:p14="http://schemas.microsoft.com/office/powerpoint/2010/main" spd="med" advClick="1"/>
+  <p:transition spd="med"/>
 </p:sldLayout>
 </file>
 
 <file path=ppt/slideLayouts/slideLayout7.xml><?xml version="1.0" encoding="utf-8"?>
-<p:sldLayout xmlns:a="http://schemas.openxmlformats.org/drawingml/2006/main" xmlns:r="http://schemas.openxmlformats.org/officeDocument/2006/relationships" xmlns:p="http://schemas.openxmlformats.org/presentationml/2006/main" type="tx" showMasterSp="1" showMasterPhAnim="1">
+<p:sldLayout xmlns:a="http://schemas.openxmlformats.org/drawingml/2006/main" xmlns:r="http://schemas.openxmlformats.org/officeDocument/2006/relationships" xmlns:p="http://schemas.openxmlformats.org/presentationml/2006/main" type="tx">
   <p:cSld name="제목, 구분점 및 사진">
     <p:spTree>
       <p:nvGrpSpPr>
@@ -1618,7 +1677,9 @@
       <p:sp>
         <p:nvSpPr>
           <p:cNvPr id="65" name="이미지"/>
-          <p:cNvSpPr/>
+          <p:cNvSpPr>
+            <a:spLocks noGrp="1"/>
+          </p:cNvSpPr>
           <p:nvPr>
             <p:ph type="pic" sz="half" idx="13"/>
           </p:nvPr>
@@ -1638,14 +1699,16 @@
           </a:bodyPr>
           <a:lstStyle/>
           <a:p>
-            <a:pPr/>
+            <a:endParaRPr/>
           </a:p>
         </p:txBody>
       </p:sp>
       <p:sp>
         <p:nvSpPr>
           <p:cNvPr id="66" name="제목 텍스트"/>
-          <p:cNvSpPr txBox="1"/>
+          <p:cNvSpPr txBox="1">
+            <a:spLocks noGrp="1"/>
+          </p:cNvSpPr>
           <p:nvPr>
             <p:ph type="title"/>
           </p:nvPr>
@@ -1659,7 +1722,6 @@
           <a:bodyPr/>
           <a:lstStyle/>
           <a:p>
-            <a:pPr/>
             <a:r>
               <a:t>제목 텍스트</a:t>
             </a:r>
@@ -1669,7 +1731,9 @@
       <p:sp>
         <p:nvSpPr>
           <p:cNvPr id="67" name="본문 첫 번째 줄…"/>
-          <p:cNvSpPr txBox="1"/>
+          <p:cNvSpPr txBox="1">
+            <a:spLocks noGrp="1"/>
+          </p:cNvSpPr>
           <p:nvPr>
             <p:ph type="body" sz="half" idx="1"/>
           </p:nvPr>
@@ -1718,7 +1782,6 @@
             </a:lvl5pPr>
           </a:lstStyle>
           <a:p>
-            <a:pPr/>
             <a:r>
               <a:t>본문 첫 번째 줄</a:t>
             </a:r>
@@ -1752,7 +1815,9 @@
       <p:sp>
         <p:nvSpPr>
           <p:cNvPr id="68" name="슬라이드 번호"/>
-          <p:cNvSpPr txBox="1"/>
+          <p:cNvSpPr txBox="1">
+            <a:spLocks noGrp="1"/>
+          </p:cNvSpPr>
           <p:nvPr>
             <p:ph type="sldNum" sz="quarter" idx="2"/>
           </p:nvPr>
@@ -1779,8 +1844,10 @@
             </a:lvl1pPr>
           </a:lstStyle>
           <a:p>
-            <a:pPr/>
-            <a:fld id="{86CB4B4D-7CA3-9044-876B-883B54F8677D}" type="slidenum"/>
+            <a:fld id="{86CB4B4D-7CA3-9044-876B-883B54F8677D}" type="slidenum">
+              <a:t>‹#›</a:t>
+            </a:fld>
+            <a:endParaRPr/>
           </a:p>
         </p:txBody>
       </p:sp>
@@ -1789,12 +1856,12 @@
   <p:clrMapOvr>
     <a:masterClrMapping/>
   </p:clrMapOvr>
-  <p:transition xmlns:p14="http://schemas.microsoft.com/office/powerpoint/2010/main" spd="med" advClick="1"/>
+  <p:transition spd="med"/>
 </p:sldLayout>
 </file>
 
 <file path=ppt/slideLayouts/slideLayout8.xml><?xml version="1.0" encoding="utf-8"?>
-<p:sldLayout xmlns:a="http://schemas.openxmlformats.org/drawingml/2006/main" xmlns:r="http://schemas.openxmlformats.org/officeDocument/2006/relationships" xmlns:p="http://schemas.openxmlformats.org/presentationml/2006/main" type="tx" showMasterSp="1" showMasterPhAnim="1">
+<p:sldLayout xmlns:a="http://schemas.openxmlformats.org/drawingml/2006/main" xmlns:r="http://schemas.openxmlformats.org/officeDocument/2006/relationships" xmlns:p="http://schemas.openxmlformats.org/presentationml/2006/main" type="tx">
   <p:cSld name="구분점">
     <p:spTree>
       <p:nvGrpSpPr>
@@ -1813,7 +1880,9 @@
       <p:sp>
         <p:nvSpPr>
           <p:cNvPr id="75" name="본문 첫 번째 줄…"/>
-          <p:cNvSpPr txBox="1"/>
+          <p:cNvSpPr txBox="1">
+            <a:spLocks noGrp="1"/>
+          </p:cNvSpPr>
           <p:nvPr>
             <p:ph type="body" idx="1"/>
           </p:nvPr>
@@ -1831,7 +1900,6 @@
           <a:bodyPr/>
           <a:lstStyle/>
           <a:p>
-            <a:pPr/>
             <a:r>
               <a:t>본문 첫 번째 줄</a:t>
             </a:r>
@@ -1865,7 +1933,9 @@
       <p:sp>
         <p:nvSpPr>
           <p:cNvPr id="76" name="슬라이드 번호"/>
-          <p:cNvSpPr txBox="1"/>
+          <p:cNvSpPr txBox="1">
+            <a:spLocks noGrp="1"/>
+          </p:cNvSpPr>
           <p:nvPr>
             <p:ph type="sldNum" sz="quarter" idx="2"/>
           </p:nvPr>
@@ -1879,8 +1949,10 @@
           <a:bodyPr/>
           <a:lstStyle/>
           <a:p>
-            <a:pPr/>
-            <a:fld id="{86CB4B4D-7CA3-9044-876B-883B54F8677D}" type="slidenum"/>
+            <a:fld id="{86CB4B4D-7CA3-9044-876B-883B54F8677D}" type="slidenum">
+              <a:t>‹#›</a:t>
+            </a:fld>
+            <a:endParaRPr/>
           </a:p>
         </p:txBody>
       </p:sp>
@@ -1889,12 +1961,12 @@
   <p:clrMapOvr>
     <a:masterClrMapping/>
   </p:clrMapOvr>
-  <p:transition xmlns:p14="http://schemas.microsoft.com/office/powerpoint/2010/main" spd="med" advClick="1"/>
+  <p:transition spd="med"/>
 </p:sldLayout>
 </file>
 
 <file path=ppt/slideLayouts/slideLayout9.xml><?xml version="1.0" encoding="utf-8"?>
-<p:sldLayout xmlns:a="http://schemas.openxmlformats.org/drawingml/2006/main" xmlns:r="http://schemas.openxmlformats.org/officeDocument/2006/relationships" xmlns:p="http://schemas.openxmlformats.org/presentationml/2006/main" type="tx" showMasterSp="1" showMasterPhAnim="1">
+<p:sldLayout xmlns:a="http://schemas.openxmlformats.org/drawingml/2006/main" xmlns:r="http://schemas.openxmlformats.org/officeDocument/2006/relationships" xmlns:p="http://schemas.openxmlformats.org/presentationml/2006/main" type="tx">
   <p:cSld name="사진 - 3장">
     <p:spTree>
       <p:nvGrpSpPr>
@@ -1913,7 +1985,9 @@
       <p:sp>
         <p:nvSpPr>
           <p:cNvPr id="83" name="이미지"/>
-          <p:cNvSpPr/>
+          <p:cNvSpPr>
+            <a:spLocks noGrp="1"/>
+          </p:cNvSpPr>
           <p:nvPr>
             <p:ph type="pic" sz="quarter" idx="13"/>
           </p:nvPr>
@@ -1933,14 +2007,16 @@
           </a:bodyPr>
           <a:lstStyle/>
           <a:p>
-            <a:pPr/>
+            <a:endParaRPr/>
           </a:p>
         </p:txBody>
       </p:sp>
       <p:sp>
         <p:nvSpPr>
           <p:cNvPr id="84" name="이미지"/>
-          <p:cNvSpPr/>
+          <p:cNvSpPr>
+            <a:spLocks noGrp="1"/>
+          </p:cNvSpPr>
           <p:nvPr>
             <p:ph type="pic" sz="quarter" idx="14"/>
           </p:nvPr>
@@ -1960,14 +2036,16 @@
           </a:bodyPr>
           <a:lstStyle/>
           <a:p>
-            <a:pPr/>
+            <a:endParaRPr/>
           </a:p>
         </p:txBody>
       </p:sp>
       <p:sp>
         <p:nvSpPr>
           <p:cNvPr id="85" name="이미지"/>
-          <p:cNvSpPr/>
+          <p:cNvSpPr>
+            <a:spLocks noGrp="1"/>
+          </p:cNvSpPr>
           <p:nvPr>
             <p:ph type="pic" sz="half" idx="15"/>
           </p:nvPr>
@@ -1987,14 +2065,16 @@
           </a:bodyPr>
           <a:lstStyle/>
           <a:p>
-            <a:pPr/>
+            <a:endParaRPr/>
           </a:p>
         </p:txBody>
       </p:sp>
       <p:sp>
         <p:nvSpPr>
           <p:cNvPr id="86" name="슬라이드 번호"/>
-          <p:cNvSpPr txBox="1"/>
+          <p:cNvSpPr txBox="1">
+            <a:spLocks noGrp="1"/>
+          </p:cNvSpPr>
           <p:nvPr>
             <p:ph type="sldNum" sz="quarter" idx="2"/>
           </p:nvPr>
@@ -2008,8 +2088,10 @@
           <a:bodyPr/>
           <a:lstStyle/>
           <a:p>
-            <a:pPr/>
-            <a:fld id="{86CB4B4D-7CA3-9044-876B-883B54F8677D}" type="slidenum"/>
+            <a:fld id="{86CB4B4D-7CA3-9044-876B-883B54F8677D}" type="slidenum">
+              <a:t>‹#›</a:t>
+            </a:fld>
+            <a:endParaRPr/>
           </a:p>
         </p:txBody>
       </p:sp>
@@ -2018,7 +2100,7 @@
   <p:clrMapOvr>
     <a:masterClrMapping/>
   </p:clrMapOvr>
-  <p:transition xmlns:p14="http://schemas.microsoft.com/office/powerpoint/2010/main" spd="med" advClick="1"/>
+  <p:transition spd="med"/>
 </p:sldLayout>
 </file>
 
@@ -2030,6 +2112,7 @@
         <a:solidFill>
           <a:srgbClr val="FFFFFF"/>
         </a:solidFill>
+        <a:effectLst/>
       </p:bgPr>
     </p:bg>
     <p:spTree>
@@ -2049,7 +2132,9 @@
       <p:sp>
         <p:nvSpPr>
           <p:cNvPr id="2" name="제목 텍스트"/>
-          <p:cNvSpPr txBox="1"/>
+          <p:cNvSpPr txBox="1">
+            <a:spLocks noGrp="1"/>
+          </p:cNvSpPr>
           <p:nvPr>
             <p:ph type="title"/>
           </p:nvPr>
@@ -2067,17 +2152,16 @@
           </a:ln>
           <a:extLst>
             <a:ext uri="{C572A759-6A51-4108-AA02-DFA0A04FC94B}">
-              <ma14:wrappingTextBoxFlag xmlns:ma14="http://schemas.microsoft.com/office/mac/drawingml/2011/main" val="1"/>
+              <ma14:wrappingTextBoxFlag xmlns:ma14="http://schemas.microsoft.com/office/mac/drawingml/2011/main" xmlns="" val="1"/>
             </a:ext>
           </a:extLst>
         </p:spPr>
         <p:txBody>
           <a:bodyPr lIns="50800" tIns="50800" rIns="50800" bIns="50800" anchor="ctr">
-            <a:normAutofit fontScale="100000" lnSpcReduction="0"/>
+            <a:normAutofit/>
           </a:bodyPr>
           <a:lstStyle/>
           <a:p>
-            <a:pPr/>
             <a:r>
               <a:t>제목 텍스트</a:t>
             </a:r>
@@ -2087,7 +2171,9 @@
       <p:sp>
         <p:nvSpPr>
           <p:cNvPr id="3" name="본문 첫 번째 줄…"/>
-          <p:cNvSpPr txBox="1"/>
+          <p:cNvSpPr txBox="1">
+            <a:spLocks noGrp="1"/>
+          </p:cNvSpPr>
           <p:nvPr>
             <p:ph type="body" idx="1"/>
           </p:nvPr>
@@ -2105,17 +2191,16 @@
           </a:ln>
           <a:extLst>
             <a:ext uri="{C572A759-6A51-4108-AA02-DFA0A04FC94B}">
-              <ma14:wrappingTextBoxFlag xmlns:ma14="http://schemas.microsoft.com/office/mac/drawingml/2011/main" val="1"/>
+              <ma14:wrappingTextBoxFlag xmlns:ma14="http://schemas.microsoft.com/office/mac/drawingml/2011/main" xmlns="" val="1"/>
             </a:ext>
           </a:extLst>
         </p:spPr>
         <p:txBody>
           <a:bodyPr lIns="50800" tIns="50800" rIns="50800" bIns="50800" anchor="ctr">
-            <a:normAutofit fontScale="100000" lnSpcReduction="0"/>
+            <a:normAutofit/>
           </a:bodyPr>
           <a:lstStyle/>
           <a:p>
-            <a:pPr/>
             <a:r>
               <a:t>본문 첫 번째 줄</a:t>
             </a:r>
@@ -2149,7 +2234,9 @@
       <p:sp>
         <p:nvSpPr>
           <p:cNvPr id="4" name="슬라이드 번호"/>
-          <p:cNvSpPr txBox="1"/>
+          <p:cNvSpPr txBox="1">
+            <a:spLocks noGrp="1"/>
+          </p:cNvSpPr>
           <p:nvPr>
             <p:ph type="sldNum" sz="quarter" idx="2"/>
           </p:nvPr>
@@ -2172,7 +2259,7 @@
           </a:bodyPr>
           <a:lstStyle>
             <a:lvl1pPr>
-              <a:defRPr b="0" sz="1600">
+              <a:defRPr sz="1600" b="0">
                 <a:latin typeface="Helvetica Neue Light"/>
                 <a:ea typeface="Helvetica Neue Light"/>
                 <a:cs typeface="Helvetica Neue Light"/>
@@ -2181,8 +2268,10 @@
             </a:lvl1pPr>
           </a:lstStyle>
           <a:p>
-            <a:pPr/>
-            <a:fld id="{86CB4B4D-7CA3-9044-876B-883B54F8677D}" type="slidenum"/>
+            <a:fld id="{86CB4B4D-7CA3-9044-876B-883B54F8677D}" type="slidenum">
+              <a:t>‹#›</a:t>
+            </a:fld>
+            <a:endParaRPr/>
           </a:p>
         </p:txBody>
       </p:sp>
@@ -2190,20 +2279,20 @@
   </p:cSld>
   <p:clrMap bg1="lt1" tx1="dk1" bg2="lt2" tx2="dk2" accent1="accent1" accent2="accent2" accent3="accent3" accent4="accent4" accent5="accent5" accent6="accent6" hlink="hlink" folHlink="folHlink"/>
   <p:sldLayoutIdLst>
-    <p:sldLayoutId id="2147483649" r:id="rId2"/>
-    <p:sldLayoutId id="2147483650" r:id="rId3"/>
-    <p:sldLayoutId id="2147483651" r:id="rId4"/>
-    <p:sldLayoutId id="2147483652" r:id="rId5"/>
-    <p:sldLayoutId id="2147483653" r:id="rId6"/>
-    <p:sldLayoutId id="2147483654" r:id="rId7"/>
-    <p:sldLayoutId id="2147483655" r:id="rId8"/>
-    <p:sldLayoutId id="2147483656" r:id="rId9"/>
-    <p:sldLayoutId id="2147483657" r:id="rId10"/>
-    <p:sldLayoutId id="2147483658" r:id="rId11"/>
-    <p:sldLayoutId id="2147483659" r:id="rId12"/>
-    <p:sldLayoutId id="2147483660" r:id="rId13"/>
+    <p:sldLayoutId id="2147483649" r:id="rId1"/>
+    <p:sldLayoutId id="2147483650" r:id="rId2"/>
+    <p:sldLayoutId id="2147483651" r:id="rId3"/>
+    <p:sldLayoutId id="2147483652" r:id="rId4"/>
+    <p:sldLayoutId id="2147483653" r:id="rId5"/>
+    <p:sldLayoutId id="2147483654" r:id="rId6"/>
+    <p:sldLayoutId id="2147483655" r:id="rId7"/>
+    <p:sldLayoutId id="2147483656" r:id="rId8"/>
+    <p:sldLayoutId id="2147483657" r:id="rId9"/>
+    <p:sldLayoutId id="2147483658" r:id="rId10"/>
+    <p:sldLayoutId id="2147483659" r:id="rId11"/>
+    <p:sldLayoutId id="2147483660" r:id="rId12"/>
   </p:sldLayoutIdLst>
-  <p:transition xmlns:p14="http://schemas.microsoft.com/office/powerpoint/2010/main" spd="med" advClick="1"/>
+  <p:transition spd="med"/>
   <p:txStyles>
     <p:titleStyle>
       <a:lvl1pPr marL="0" marR="0" indent="0" algn="ctr" defTabSz="584200" rtl="0" latinLnBrk="0">
@@ -2221,7 +2310,7 @@
         <a:buFontTx/>
         <a:buNone/>
         <a:tabLst/>
-        <a:defRPr b="0" baseline="0" cap="none" i="0" spc="0" strike="noStrike" sz="8000" u="none">
+        <a:defRPr sz="8000" b="0" i="0" u="none" strike="noStrike" cap="none" spc="0" baseline="0">
           <a:ln>
             <a:noFill/>
           </a:ln>
@@ -2250,7 +2339,7 @@
         <a:buFontTx/>
         <a:buNone/>
         <a:tabLst/>
-        <a:defRPr b="0" baseline="0" cap="none" i="0" spc="0" strike="noStrike" sz="8000" u="none">
+        <a:defRPr sz="8000" b="0" i="0" u="none" strike="noStrike" cap="none" spc="0" baseline="0">
           <a:ln>
             <a:noFill/>
           </a:ln>
@@ -2279,7 +2368,7 @@
         <a:buFontTx/>
         <a:buNone/>
         <a:tabLst/>
-        <a:defRPr b="0" baseline="0" cap="none" i="0" spc="0" strike="noStrike" sz="8000" u="none">
+        <a:defRPr sz="8000" b="0" i="0" u="none" strike="noStrike" cap="none" spc="0" baseline="0">
           <a:ln>
             <a:noFill/>
           </a:ln>
@@ -2308,7 +2397,7 @@
         <a:buFontTx/>
         <a:buNone/>
         <a:tabLst/>
-        <a:defRPr b="0" baseline="0" cap="none" i="0" spc="0" strike="noStrike" sz="8000" u="none">
+        <a:defRPr sz="8000" b="0" i="0" u="none" strike="noStrike" cap="none" spc="0" baseline="0">
           <a:ln>
             <a:noFill/>
           </a:ln>
@@ -2337,7 +2426,7 @@
         <a:buFontTx/>
         <a:buNone/>
         <a:tabLst/>
-        <a:defRPr b="0" baseline="0" cap="none" i="0" spc="0" strike="noStrike" sz="8000" u="none">
+        <a:defRPr sz="8000" b="0" i="0" u="none" strike="noStrike" cap="none" spc="0" baseline="0">
           <a:ln>
             <a:noFill/>
           </a:ln>
@@ -2366,7 +2455,7 @@
         <a:buFontTx/>
         <a:buNone/>
         <a:tabLst/>
-        <a:defRPr b="0" baseline="0" cap="none" i="0" spc="0" strike="noStrike" sz="8000" u="none">
+        <a:defRPr sz="8000" b="0" i="0" u="none" strike="noStrike" cap="none" spc="0" baseline="0">
           <a:ln>
             <a:noFill/>
           </a:ln>
@@ -2395,7 +2484,7 @@
         <a:buFontTx/>
         <a:buNone/>
         <a:tabLst/>
-        <a:defRPr b="0" baseline="0" cap="none" i="0" spc="0" strike="noStrike" sz="8000" u="none">
+        <a:defRPr sz="8000" b="0" i="0" u="none" strike="noStrike" cap="none" spc="0" baseline="0">
           <a:ln>
             <a:noFill/>
           </a:ln>
@@ -2424,7 +2513,7 @@
         <a:buFontTx/>
         <a:buNone/>
         <a:tabLst/>
-        <a:defRPr b="0" baseline="0" cap="none" i="0" spc="0" strike="noStrike" sz="8000" u="none">
+        <a:defRPr sz="8000" b="0" i="0" u="none" strike="noStrike" cap="none" spc="0" baseline="0">
           <a:ln>
             <a:noFill/>
           </a:ln>
@@ -2453,7 +2542,7 @@
         <a:buFontTx/>
         <a:buNone/>
         <a:tabLst/>
-        <a:defRPr b="0" baseline="0" cap="none" i="0" spc="0" strike="noStrike" sz="8000" u="none">
+        <a:defRPr sz="8000" b="0" i="0" u="none" strike="noStrike" cap="none" spc="0" baseline="0">
           <a:ln>
             <a:noFill/>
           </a:ln>
@@ -2484,7 +2573,7 @@
         <a:buFontTx/>
         <a:buChar char="•"/>
         <a:tabLst/>
-        <a:defRPr b="0" baseline="0" cap="none" i="0" spc="0" strike="noStrike" sz="3200" u="none">
+        <a:defRPr sz="3200" b="0" i="0" u="none" strike="noStrike" cap="none" spc="0" baseline="0">
           <a:ln>
             <a:noFill/>
           </a:ln>
@@ -2513,7 +2602,7 @@
         <a:buFontTx/>
         <a:buChar char="•"/>
         <a:tabLst/>
-        <a:defRPr b="0" baseline="0" cap="none" i="0" spc="0" strike="noStrike" sz="3200" u="none">
+        <a:defRPr sz="3200" b="0" i="0" u="none" strike="noStrike" cap="none" spc="0" baseline="0">
           <a:ln>
             <a:noFill/>
           </a:ln>
@@ -2542,7 +2631,7 @@
         <a:buFontTx/>
         <a:buChar char="•"/>
         <a:tabLst/>
-        <a:defRPr b="0" baseline="0" cap="none" i="0" spc="0" strike="noStrike" sz="3200" u="none">
+        <a:defRPr sz="3200" b="0" i="0" u="none" strike="noStrike" cap="none" spc="0" baseline="0">
           <a:ln>
             <a:noFill/>
           </a:ln>
@@ -2571,7 +2660,7 @@
         <a:buFontTx/>
         <a:buChar char="•"/>
         <a:tabLst/>
-        <a:defRPr b="0" baseline="0" cap="none" i="0" spc="0" strike="noStrike" sz="3200" u="none">
+        <a:defRPr sz="3200" b="0" i="0" u="none" strike="noStrike" cap="none" spc="0" baseline="0">
           <a:ln>
             <a:noFill/>
           </a:ln>
@@ -2600,7 +2689,7 @@
         <a:buFontTx/>
         <a:buChar char="•"/>
         <a:tabLst/>
-        <a:defRPr b="0" baseline="0" cap="none" i="0" spc="0" strike="noStrike" sz="3200" u="none">
+        <a:defRPr sz="3200" b="0" i="0" u="none" strike="noStrike" cap="none" spc="0" baseline="0">
           <a:ln>
             <a:noFill/>
           </a:ln>
@@ -2629,7 +2718,7 @@
         <a:buFontTx/>
         <a:buChar char="•"/>
         <a:tabLst/>
-        <a:defRPr b="0" baseline="0" cap="none" i="0" spc="0" strike="noStrike" sz="3200" u="none">
+        <a:defRPr sz="3200" b="0" i="0" u="none" strike="noStrike" cap="none" spc="0" baseline="0">
           <a:ln>
             <a:noFill/>
           </a:ln>
@@ -2658,7 +2747,7 @@
         <a:buFontTx/>
         <a:buChar char="•"/>
         <a:tabLst/>
-        <a:defRPr b="0" baseline="0" cap="none" i="0" spc="0" strike="noStrike" sz="3200" u="none">
+        <a:defRPr sz="3200" b="0" i="0" u="none" strike="noStrike" cap="none" spc="0" baseline="0">
           <a:ln>
             <a:noFill/>
           </a:ln>
@@ -2687,7 +2776,7 @@
         <a:buFontTx/>
         <a:buChar char="•"/>
         <a:tabLst/>
-        <a:defRPr b="0" baseline="0" cap="none" i="0" spc="0" strike="noStrike" sz="3200" u="none">
+        <a:defRPr sz="3200" b="0" i="0" u="none" strike="noStrike" cap="none" spc="0" baseline="0">
           <a:ln>
             <a:noFill/>
           </a:ln>
@@ -2716,7 +2805,7 @@
         <a:buFontTx/>
         <a:buChar char="•"/>
         <a:tabLst/>
-        <a:defRPr b="0" baseline="0" cap="none" i="0" spc="0" strike="noStrike" sz="3200" u="none">
+        <a:defRPr sz="3200" b="0" i="0" u="none" strike="noStrike" cap="none" spc="0" baseline="0">
           <a:ln>
             <a:noFill/>
           </a:ln>
@@ -2747,7 +2836,7 @@
         <a:buFontTx/>
         <a:buNone/>
         <a:tabLst/>
-        <a:defRPr b="0" baseline="0" cap="none" i="0" spc="0" strike="noStrike" sz="1600" u="none">
+        <a:defRPr sz="1600" b="0" i="0" u="none" strike="noStrike" cap="none" spc="0" baseline="0">
           <a:ln>
             <a:noFill/>
           </a:ln>
@@ -2776,7 +2865,7 @@
         <a:buFontTx/>
         <a:buNone/>
         <a:tabLst/>
-        <a:defRPr b="0" baseline="0" cap="none" i="0" spc="0" strike="noStrike" sz="1600" u="none">
+        <a:defRPr sz="1600" b="0" i="0" u="none" strike="noStrike" cap="none" spc="0" baseline="0">
           <a:ln>
             <a:noFill/>
           </a:ln>
@@ -2805,7 +2894,7 @@
         <a:buFontTx/>
         <a:buNone/>
         <a:tabLst/>
-        <a:defRPr b="0" baseline="0" cap="none" i="0" spc="0" strike="noStrike" sz="1600" u="none">
+        <a:defRPr sz="1600" b="0" i="0" u="none" strike="noStrike" cap="none" spc="0" baseline="0">
           <a:ln>
             <a:noFill/>
           </a:ln>
@@ -2834,7 +2923,7 @@
         <a:buFontTx/>
         <a:buNone/>
         <a:tabLst/>
-        <a:defRPr b="0" baseline="0" cap="none" i="0" spc="0" strike="noStrike" sz="1600" u="none">
+        <a:defRPr sz="1600" b="0" i="0" u="none" strike="noStrike" cap="none" spc="0" baseline="0">
           <a:ln>
             <a:noFill/>
           </a:ln>
@@ -2863,7 +2952,7 @@
         <a:buFontTx/>
         <a:buNone/>
         <a:tabLst/>
-        <a:defRPr b="0" baseline="0" cap="none" i="0" spc="0" strike="noStrike" sz="1600" u="none">
+        <a:defRPr sz="1600" b="0" i="0" u="none" strike="noStrike" cap="none" spc="0" baseline="0">
           <a:ln>
             <a:noFill/>
           </a:ln>
@@ -2892,7 +2981,7 @@
         <a:buFontTx/>
         <a:buNone/>
         <a:tabLst/>
-        <a:defRPr b="0" baseline="0" cap="none" i="0" spc="0" strike="noStrike" sz="1600" u="none">
+        <a:defRPr sz="1600" b="0" i="0" u="none" strike="noStrike" cap="none" spc="0" baseline="0">
           <a:ln>
             <a:noFill/>
           </a:ln>
@@ -2921,7 +3010,7 @@
         <a:buFontTx/>
         <a:buNone/>
         <a:tabLst/>
-        <a:defRPr b="0" baseline="0" cap="none" i="0" spc="0" strike="noStrike" sz="1600" u="none">
+        <a:defRPr sz="1600" b="0" i="0" u="none" strike="noStrike" cap="none" spc="0" baseline="0">
           <a:ln>
             <a:noFill/>
           </a:ln>
@@ -2950,7 +3039,7 @@
         <a:buFontTx/>
         <a:buNone/>
         <a:tabLst/>
-        <a:defRPr b="0" baseline="0" cap="none" i="0" spc="0" strike="noStrike" sz="1600" u="none">
+        <a:defRPr sz="1600" b="0" i="0" u="none" strike="noStrike" cap="none" spc="0" baseline="0">
           <a:ln>
             <a:noFill/>
           </a:ln>
@@ -2979,7 +3068,7 @@
         <a:buFontTx/>
         <a:buNone/>
         <a:tabLst/>
-        <a:defRPr b="0" baseline="0" cap="none" i="0" spc="0" strike="noStrike" sz="1600" u="none">
+        <a:defRPr sz="1600" b="0" i="0" u="none" strike="noStrike" cap="none" spc="0" baseline="0">
           <a:ln>
             <a:noFill/>
           </a:ln>
@@ -2999,7 +3088,7 @@
 </file>
 
 <file path=ppt/slides/slide1.xml><?xml version="1.0" encoding="utf-8"?>
-<p:sld xmlns:a="http://schemas.openxmlformats.org/drawingml/2006/main" xmlns:r="http://schemas.openxmlformats.org/officeDocument/2006/relationships" xmlns:p="http://schemas.openxmlformats.org/presentationml/2006/main" showMasterSp="1" showMasterPhAnim="1">
+<p:sld xmlns:a="http://schemas.openxmlformats.org/drawingml/2006/main" xmlns:r="http://schemas.openxmlformats.org/officeDocument/2006/relationships" xmlns:p="http://schemas.openxmlformats.org/presentationml/2006/main">
   <p:cSld>
     <p:spTree>
       <p:nvGrpSpPr>
@@ -3093,7 +3182,7 @@
           </a:ln>
           <a:extLst>
             <a:ext uri="{C572A759-6A51-4108-AA02-DFA0A04FC94B}">
-              <ma14:wrappingTextBoxFlag xmlns:ma14="http://schemas.microsoft.com/office/mac/drawingml/2011/main" val="1"/>
+              <ma14:wrappingTextBoxFlag xmlns:ma14="http://schemas.microsoft.com/office/mac/drawingml/2011/main" xmlns="" val="1"/>
             </a:ext>
           </a:extLst>
         </p:spPr>
@@ -3104,7 +3193,7 @@
           <a:lstStyle/>
           <a:p>
             <a:pPr>
-              <a:defRPr b="0" sz="7600">
+              <a:defRPr sz="7600" b="0">
                 <a:latin typeface="배달의민족 도현 OTF"/>
                 <a:ea typeface="배달의민족 도현 OTF"/>
                 <a:cs typeface="배달의민족 도현 OTF"/>
@@ -3141,7 +3230,7 @@
           </a:ln>
           <a:extLst>
             <a:ext uri="{C572A759-6A51-4108-AA02-DFA0A04FC94B}">
-              <ma14:wrappingTextBoxFlag xmlns:ma14="http://schemas.microsoft.com/office/mac/drawingml/2011/main" val="1"/>
+              <ma14:wrappingTextBoxFlag xmlns:ma14="http://schemas.microsoft.com/office/mac/drawingml/2011/main" xmlns="" val="1"/>
             </a:ext>
           </a:extLst>
         </p:spPr>
@@ -3152,7 +3241,7 @@
           <a:lstStyle/>
           <a:p>
             <a:pPr>
-              <a:defRPr b="0" sz="5000">
+              <a:defRPr sz="5000" b="0">
                 <a:latin typeface="나눔손글씨 붓"/>
                 <a:ea typeface="나눔손글씨 붓"/>
                 <a:cs typeface="나눔손글씨 붓"/>
@@ -3183,12 +3272,12 @@
   <p:clrMapOvr>
     <a:masterClrMapping/>
   </p:clrMapOvr>
-  <p:transition xmlns:p14="http://schemas.microsoft.com/office/powerpoint/2010/main" spd="med" advClick="1"/>
+  <p:transition spd="med"/>
 </p:sld>
 </file>
 
 <file path=ppt/slides/slide10.xml><?xml version="1.0" encoding="utf-8"?>
-<p:sld xmlns:a="http://schemas.openxmlformats.org/drawingml/2006/main" xmlns:r="http://schemas.openxmlformats.org/officeDocument/2006/relationships" xmlns:p="http://schemas.openxmlformats.org/presentationml/2006/main" showMasterSp="1" showMasterPhAnim="1">
+<p:sld xmlns:a="http://schemas.openxmlformats.org/drawingml/2006/main" xmlns:r="http://schemas.openxmlformats.org/officeDocument/2006/relationships" xmlns:p="http://schemas.openxmlformats.org/presentationml/2006/main">
   <p:cSld>
     <p:spTree>
       <p:nvGrpSpPr>
@@ -3223,7 +3312,7 @@
           </a:ln>
           <a:extLst>
             <a:ext uri="{C572A759-6A51-4108-AA02-DFA0A04FC94B}">
-              <ma14:wrappingTextBoxFlag xmlns:ma14="http://schemas.microsoft.com/office/mac/drawingml/2011/main" val="1"/>
+              <ma14:wrappingTextBoxFlag xmlns:ma14="http://schemas.microsoft.com/office/mac/drawingml/2011/main" xmlns="" val="1"/>
             </a:ext>
           </a:extLst>
         </p:spPr>
@@ -3233,7 +3322,7 @@
           </a:bodyPr>
           <a:lstStyle>
             <a:lvl1pPr>
-              <a:defRPr b="0" sz="3800">
+              <a:defRPr sz="3800" b="0">
                 <a:latin typeface="배달의민족 한나는 열한살 OTF"/>
                 <a:ea typeface="배달의민족 한나는 열한살 OTF"/>
                 <a:cs typeface="배달의민족 한나는 열한살 OTF"/>
@@ -3242,7 +3331,6 @@
             </a:lvl1pPr>
           </a:lstStyle>
           <a:p>
-            <a:pPr/>
             <a:r>
               <a:t>Flask 가지고 놀기_5월 29일</a:t>
             </a:r>
@@ -3307,7 +3395,7 @@
           <a:lstStyle/>
           <a:p>
             <a:pPr>
-              <a:defRPr b="0" sz="2200">
+              <a:defRPr sz="2200" b="0">
                 <a:solidFill>
                   <a:srgbClr val="FFFFFF"/>
                 </a:solidFill>
@@ -3317,6 +3405,7 @@
                 <a:sym typeface="Helvetica Neue Medium"/>
               </a:defRPr>
             </a:pPr>
+            <a:endParaRPr/>
           </a:p>
         </p:txBody>
       </p:sp>
@@ -3339,7 +3428,7 @@
           </a:ln>
           <a:extLst>
             <a:ext uri="{C572A759-6A51-4108-AA02-DFA0A04FC94B}">
-              <ma14:wrappingTextBoxFlag xmlns:ma14="http://schemas.microsoft.com/office/mac/drawingml/2011/main" val="1"/>
+              <ma14:wrappingTextBoxFlag xmlns:ma14="http://schemas.microsoft.com/office/mac/drawingml/2011/main" xmlns="" val="1"/>
             </a:ext>
           </a:extLst>
         </p:spPr>
@@ -3349,7 +3438,7 @@
           </a:bodyPr>
           <a:lstStyle>
             <a:lvl1pPr>
-              <a:defRPr b="0" sz="6000">
+              <a:defRPr sz="6000" b="0">
                 <a:latin typeface="배달의민족 도현 OTF"/>
                 <a:ea typeface="배달의민족 도현 OTF"/>
                 <a:cs typeface="배달의민족 도현 OTF"/>
@@ -3358,7 +3447,6 @@
             </a:lvl1pPr>
           </a:lstStyle>
           <a:p>
-            <a:pPr/>
             <a:r>
               <a:t>구구단 계산하는 페이지 만들기</a:t>
             </a:r>
@@ -3390,7 +3478,7 @@
           </a:ln>
           <a:extLst>
             <a:ext uri="{C572A759-6A51-4108-AA02-DFA0A04FC94B}">
-              <ma14:wrappingTextBoxFlag xmlns:ma14="http://schemas.microsoft.com/office/mac/drawingml/2011/main" val="1"/>
+              <ma14:wrappingTextBoxFlag xmlns:ma14="http://schemas.microsoft.com/office/mac/drawingml/2011/main" xmlns="" val="1"/>
             </a:ext>
           </a:extLst>
         </p:spPr>
@@ -3399,7 +3487,7 @@
           <a:lstStyle/>
           <a:p>
             <a:pPr>
-              <a:defRPr b="0" sz="2200">
+              <a:defRPr sz="2200" b="0">
                 <a:latin typeface="+mn-lt"/>
                 <a:ea typeface="+mn-ea"/>
                 <a:cs typeface="+mn-cs"/>
@@ -3412,7 +3500,7 @@
           </a:p>
           <a:p>
             <a:pPr>
-              <a:defRPr b="0" sz="2200">
+              <a:defRPr sz="2200" b="0">
                 <a:latin typeface="+mn-lt"/>
                 <a:ea typeface="+mn-ea"/>
                 <a:cs typeface="+mn-cs"/>
@@ -3453,7 +3541,7 @@
           </a:ln>
           <a:extLst>
             <a:ext uri="{C572A759-6A51-4108-AA02-DFA0A04FC94B}">
-              <ma14:wrappingTextBoxFlag xmlns:ma14="http://schemas.microsoft.com/office/mac/drawingml/2011/main" val="1"/>
+              <ma14:wrappingTextBoxFlag xmlns:ma14="http://schemas.microsoft.com/office/mac/drawingml/2011/main" xmlns="" val="1"/>
             </a:ext>
           </a:extLst>
         </p:spPr>
@@ -3461,7 +3549,7 @@
           <a:bodyPr lIns="50800" tIns="50800" rIns="50800" bIns="50800" anchor="ctr"/>
           <a:lstStyle>
             <a:lvl1pPr>
-              <a:defRPr b="0" sz="2200">
+              <a:defRPr sz="2200" b="0">
                 <a:latin typeface="+mn-lt"/>
                 <a:ea typeface="+mn-ea"/>
                 <a:cs typeface="+mn-cs"/>
@@ -3470,7 +3558,6 @@
             </a:lvl1pPr>
           </a:lstStyle>
           <a:p>
-            <a:pPr/>
             <a:r>
               <a:t>@계산중@</a:t>
             </a:r>
@@ -3502,7 +3589,7 @@
           </a:ln>
           <a:extLst>
             <a:ext uri="{C572A759-6A51-4108-AA02-DFA0A04FC94B}">
-              <ma14:wrappingTextBoxFlag xmlns:ma14="http://schemas.microsoft.com/office/mac/drawingml/2011/main" val="1"/>
+              <ma14:wrappingTextBoxFlag xmlns:ma14="http://schemas.microsoft.com/office/mac/drawingml/2011/main" xmlns="" val="1"/>
             </a:ext>
           </a:extLst>
         </p:spPr>
@@ -3511,7 +3598,7 @@
           <a:lstStyle/>
           <a:p>
             <a:pPr>
-              <a:defRPr b="0" sz="2200">
+              <a:defRPr sz="2200" b="0">
                 <a:latin typeface="+mn-lt"/>
                 <a:ea typeface="+mn-ea"/>
                 <a:cs typeface="+mn-cs"/>
@@ -3524,7 +3611,7 @@
           </a:p>
           <a:p>
             <a:pPr>
-              <a:defRPr b="0" sz="2200">
+              <a:defRPr sz="2200" b="0">
                 <a:latin typeface="+mn-lt"/>
                 <a:ea typeface="+mn-ea"/>
                 <a:cs typeface="+mn-cs"/>
@@ -3564,7 +3651,7 @@
           <a:lstStyle/>
           <a:p>
             <a:pPr>
-              <a:defRPr b="0" sz="2200">
+              <a:defRPr sz="2200" b="0">
                 <a:solidFill>
                   <a:srgbClr val="FFFFFF"/>
                 </a:solidFill>
@@ -3574,6 +3661,7 @@
                 <a:sym typeface="Helvetica Neue Medium"/>
               </a:defRPr>
             </a:pPr>
+            <a:endParaRPr/>
           </a:p>
         </p:txBody>
       </p:sp>
@@ -3604,7 +3692,7 @@
           <a:lstStyle/>
           <a:p>
             <a:pPr>
-              <a:defRPr b="0" sz="2200">
+              <a:defRPr sz="2200" b="0">
                 <a:solidFill>
                   <a:srgbClr val="FFFFFF"/>
                 </a:solidFill>
@@ -3614,6 +3702,7 @@
                 <a:sym typeface="Helvetica Neue Medium"/>
               </a:defRPr>
             </a:pPr>
+            <a:endParaRPr/>
           </a:p>
         </p:txBody>
       </p:sp>
@@ -3622,12 +3711,12 @@
   <p:clrMapOvr>
     <a:masterClrMapping/>
   </p:clrMapOvr>
-  <p:transition xmlns:p14="http://schemas.microsoft.com/office/powerpoint/2010/main" spd="med" advClick="1"/>
+  <p:transition spd="med"/>
 </p:sld>
 </file>
 
 <file path=ppt/slides/slide11.xml><?xml version="1.0" encoding="utf-8"?>
-<p:sld xmlns:a="http://schemas.openxmlformats.org/drawingml/2006/main" xmlns:r="http://schemas.openxmlformats.org/officeDocument/2006/relationships" xmlns:p="http://schemas.openxmlformats.org/presentationml/2006/main" showMasterSp="1" showMasterPhAnim="1">
+<p:sld xmlns:a="http://schemas.openxmlformats.org/drawingml/2006/main" xmlns:r="http://schemas.openxmlformats.org/officeDocument/2006/relationships" xmlns:p="http://schemas.openxmlformats.org/presentationml/2006/main">
   <p:cSld>
     <p:spTree>
       <p:nvGrpSpPr>
@@ -3662,7 +3751,7 @@
           </a:ln>
           <a:extLst>
             <a:ext uri="{C572A759-6A51-4108-AA02-DFA0A04FC94B}">
-              <ma14:wrappingTextBoxFlag xmlns:ma14="http://schemas.microsoft.com/office/mac/drawingml/2011/main" val="1"/>
+              <ma14:wrappingTextBoxFlag xmlns:ma14="http://schemas.microsoft.com/office/mac/drawingml/2011/main" xmlns="" val="1"/>
             </a:ext>
           </a:extLst>
         </p:spPr>
@@ -3672,7 +3761,7 @@
           </a:bodyPr>
           <a:lstStyle>
             <a:lvl1pPr>
-              <a:defRPr b="0" sz="3800">
+              <a:defRPr sz="3800" b="0">
                 <a:latin typeface="배달의민족 한나는 열한살 OTF"/>
                 <a:ea typeface="배달의민족 한나는 열한살 OTF"/>
                 <a:cs typeface="배달의민족 한나는 열한살 OTF"/>
@@ -3681,7 +3770,6 @@
             </a:lvl1pPr>
           </a:lstStyle>
           <a:p>
-            <a:pPr/>
             <a:r>
               <a:t>Flask 가지고 놀기_5월 29일</a:t>
             </a:r>
@@ -3746,7 +3834,7 @@
           <a:lstStyle/>
           <a:p>
             <a:pPr>
-              <a:defRPr b="0" sz="2200">
+              <a:defRPr sz="2200" b="0">
                 <a:solidFill>
                   <a:srgbClr val="FFFFFF"/>
                 </a:solidFill>
@@ -3756,6 +3844,7 @@
                 <a:sym typeface="Helvetica Neue Medium"/>
               </a:defRPr>
             </a:pPr>
+            <a:endParaRPr/>
           </a:p>
         </p:txBody>
       </p:sp>
@@ -3778,7 +3867,7 @@
           </a:ln>
           <a:extLst>
             <a:ext uri="{C572A759-6A51-4108-AA02-DFA0A04FC94B}">
-              <ma14:wrappingTextBoxFlag xmlns:ma14="http://schemas.microsoft.com/office/mac/drawingml/2011/main" val="1"/>
+              <ma14:wrappingTextBoxFlag xmlns:ma14="http://schemas.microsoft.com/office/mac/drawingml/2011/main" xmlns="" val="1"/>
             </a:ext>
           </a:extLst>
         </p:spPr>
@@ -3788,7 +3877,7 @@
           </a:bodyPr>
           <a:lstStyle>
             <a:lvl1pPr>
-              <a:defRPr b="0" sz="6000">
+              <a:defRPr sz="6000" b="0">
                 <a:latin typeface="배달의민족 도현 OTF"/>
                 <a:ea typeface="배달의민족 도현 OTF"/>
                 <a:cs typeface="배달의민족 도현 OTF"/>
@@ -3797,7 +3886,6 @@
             </a:lvl1pPr>
           </a:lstStyle>
           <a:p>
-            <a:pPr/>
             <a:r>
               <a:t>학교 공지사항 크롤링</a:t>
             </a:r>
@@ -3823,7 +3911,7 @@
           </a:ln>
           <a:extLst>
             <a:ext uri="{C572A759-6A51-4108-AA02-DFA0A04FC94B}">
-              <ma14:wrappingTextBoxFlag xmlns:ma14="http://schemas.microsoft.com/office/mac/drawingml/2011/main" val="1"/>
+              <ma14:wrappingTextBoxFlag xmlns:ma14="http://schemas.microsoft.com/office/mac/drawingml/2011/main" xmlns="" val="1"/>
             </a:ext>
           </a:extLst>
         </p:spPr>
@@ -3855,12 +3943,12 @@
   <p:clrMapOvr>
     <a:masterClrMapping/>
   </p:clrMapOvr>
-  <p:transition xmlns:p14="http://schemas.microsoft.com/office/powerpoint/2010/main" spd="med" advClick="1"/>
+  <p:transition spd="med"/>
 </p:sld>
 </file>
 
 <file path=ppt/slides/slide12.xml><?xml version="1.0" encoding="utf-8"?>
-<p:sld xmlns:a="http://schemas.openxmlformats.org/drawingml/2006/main" xmlns:r="http://schemas.openxmlformats.org/officeDocument/2006/relationships" xmlns:p="http://schemas.openxmlformats.org/presentationml/2006/main" showMasterSp="1" showMasterPhAnim="1">
+<p:sld xmlns:a="http://schemas.openxmlformats.org/drawingml/2006/main" xmlns:r="http://schemas.openxmlformats.org/officeDocument/2006/relationships" xmlns:p="http://schemas.openxmlformats.org/presentationml/2006/main">
   <p:cSld>
     <p:spTree>
       <p:nvGrpSpPr>
@@ -3895,7 +3983,7 @@
           </a:ln>
           <a:extLst>
             <a:ext uri="{C572A759-6A51-4108-AA02-DFA0A04FC94B}">
-              <ma14:wrappingTextBoxFlag xmlns:ma14="http://schemas.microsoft.com/office/mac/drawingml/2011/main" val="1"/>
+              <ma14:wrappingTextBoxFlag xmlns:ma14="http://schemas.microsoft.com/office/mac/drawingml/2011/main" xmlns="" val="1"/>
             </a:ext>
           </a:extLst>
         </p:spPr>
@@ -3905,7 +3993,7 @@
           </a:bodyPr>
           <a:lstStyle>
             <a:lvl1pPr>
-              <a:defRPr b="0" sz="3800">
+              <a:defRPr sz="3800" b="0">
                 <a:latin typeface="배달의민족 한나는 열한살 OTF"/>
                 <a:ea typeface="배달의민족 한나는 열한살 OTF"/>
                 <a:cs typeface="배달의민족 한나는 열한살 OTF"/>
@@ -3914,7 +4002,6 @@
             </a:lvl1pPr>
           </a:lstStyle>
           <a:p>
-            <a:pPr/>
             <a:r>
               <a:t>Flask 가지고 놀기_5월 29일</a:t>
             </a:r>
@@ -3979,7 +4066,7 @@
           <a:lstStyle/>
           <a:p>
             <a:pPr>
-              <a:defRPr b="0" sz="2200">
+              <a:defRPr sz="2200" b="0">
                 <a:solidFill>
                   <a:srgbClr val="FFFFFF"/>
                 </a:solidFill>
@@ -3989,6 +4076,7 @@
                 <a:sym typeface="Helvetica Neue Medium"/>
               </a:defRPr>
             </a:pPr>
+            <a:endParaRPr/>
           </a:p>
         </p:txBody>
       </p:sp>
@@ -4000,8 +4088,8 @@
         </p:nvSpPr>
         <p:spPr>
           <a:xfrm>
-            <a:off x="2647442" y="2969955"/>
-            <a:ext cx="7709917" cy="3813690"/>
+            <a:off x="2162270" y="3055788"/>
+            <a:ext cx="8680261" cy="3642023"/>
           </a:xfrm>
           <a:prstGeom prst="rect">
             <a:avLst/>
@@ -4011,7 +4099,7 @@
           </a:ln>
           <a:extLst>
             <a:ext uri="{C572A759-6A51-4108-AA02-DFA0A04FC94B}">
-              <ma14:wrappingTextBoxFlag xmlns:ma14="http://schemas.microsoft.com/office/mac/drawingml/2011/main" val="1"/>
+              <ma14:wrappingTextBoxFlag xmlns:ma14="http://schemas.microsoft.com/office/mac/drawingml/2011/main" xmlns="" val="1"/>
             </a:ext>
           </a:extLst>
         </p:spPr>
@@ -4025,33 +4113,155 @@
               <a:defRPr sz="7000" u="sng"/>
             </a:pPr>
             <a:r>
-              <a:t>다음주에는?</a:t>
+              <a:rPr b="0" dirty="0" err="1">
+                <a:latin typeface="BM DoHyeon OTF" panose="020B0600000101010101" pitchFamily="34" charset="-127"/>
+                <a:ea typeface="BM DoHyeon OTF" panose="020B0600000101010101" pitchFamily="34" charset="-127"/>
+              </a:rPr>
+              <a:t>다음주에는</a:t>
+            </a:r>
+            <a:r>
+              <a:rPr b="0" dirty="0">
+                <a:latin typeface="BM DoHyeon OTF" panose="020B0600000101010101" pitchFamily="34" charset="-127"/>
+                <a:ea typeface="BM DoHyeon OTF" panose="020B0600000101010101" pitchFamily="34" charset="-127"/>
+              </a:rPr>
+              <a:t>?</a:t>
             </a:r>
           </a:p>
           <a:p>
             <a:pPr>
               <a:defRPr sz="4000"/>
             </a:pPr>
+            <a:endParaRPr b="0" dirty="0">
+              <a:latin typeface="BM DoHyeon OTF" panose="020B0600000101010101" pitchFamily="34" charset="-127"/>
+              <a:ea typeface="BM DoHyeon OTF" panose="020B0600000101010101" pitchFamily="34" charset="-127"/>
+            </a:endParaRPr>
           </a:p>
           <a:p>
             <a:pPr>
               <a:defRPr sz="4000"/>
             </a:pPr>
             <a:r>
-              <a:t>이메일인증을 통한 회원가입 구현하기</a:t>
-            </a:r>
+              <a:rPr b="0" dirty="0" err="1">
+                <a:latin typeface="BM DoHyeon OTF" panose="020B0600000101010101" pitchFamily="34" charset="-127"/>
+                <a:ea typeface="BM DoHyeon OTF" panose="020B0600000101010101" pitchFamily="34" charset="-127"/>
+              </a:rPr>
+              <a:t>이메일인증을</a:t>
+            </a:r>
+            <a:r>
+              <a:rPr b="0" dirty="0">
+                <a:latin typeface="BM DoHyeon OTF" panose="020B0600000101010101" pitchFamily="34" charset="-127"/>
+                <a:ea typeface="BM DoHyeon OTF" panose="020B0600000101010101" pitchFamily="34" charset="-127"/>
+              </a:rPr>
+              <a:t> </a:t>
+            </a:r>
+            <a:r>
+              <a:rPr b="0" dirty="0" err="1">
+                <a:latin typeface="BM DoHyeon OTF" panose="020B0600000101010101" pitchFamily="34" charset="-127"/>
+                <a:ea typeface="BM DoHyeon OTF" panose="020B0600000101010101" pitchFamily="34" charset="-127"/>
+              </a:rPr>
+              <a:t>통한</a:t>
+            </a:r>
+            <a:r>
+              <a:rPr b="0" dirty="0">
+                <a:latin typeface="BM DoHyeon OTF" panose="020B0600000101010101" pitchFamily="34" charset="-127"/>
+                <a:ea typeface="BM DoHyeon OTF" panose="020B0600000101010101" pitchFamily="34" charset="-127"/>
+              </a:rPr>
+              <a:t> </a:t>
+            </a:r>
+            <a:r>
+              <a:rPr b="0" dirty="0" err="1">
+                <a:latin typeface="BM DoHyeon OTF" panose="020B0600000101010101" pitchFamily="34" charset="-127"/>
+                <a:ea typeface="BM DoHyeon OTF" panose="020B0600000101010101" pitchFamily="34" charset="-127"/>
+              </a:rPr>
+              <a:t>회원가입</a:t>
+            </a:r>
+            <a:r>
+              <a:rPr b="0" dirty="0">
+                <a:latin typeface="BM DoHyeon OTF" panose="020B0600000101010101" pitchFamily="34" charset="-127"/>
+                <a:ea typeface="BM DoHyeon OTF" panose="020B0600000101010101" pitchFamily="34" charset="-127"/>
+              </a:rPr>
+              <a:t> </a:t>
+            </a:r>
+            <a:r>
+              <a:rPr b="0" dirty="0" err="1">
+                <a:latin typeface="BM DoHyeon OTF" panose="020B0600000101010101" pitchFamily="34" charset="-127"/>
+                <a:ea typeface="BM DoHyeon OTF" panose="020B0600000101010101" pitchFamily="34" charset="-127"/>
+              </a:rPr>
+              <a:t>구현하기</a:t>
+            </a:r>
+            <a:endParaRPr b="0" dirty="0">
+              <a:latin typeface="BM DoHyeon OTF" panose="020B0600000101010101" pitchFamily="34" charset="-127"/>
+              <a:ea typeface="BM DoHyeon OTF" panose="020B0600000101010101" pitchFamily="34" charset="-127"/>
+            </a:endParaRPr>
           </a:p>
           <a:p>
             <a:pPr>
               <a:defRPr sz="4000"/>
             </a:pPr>
+            <a:endParaRPr b="0" dirty="0">
+              <a:latin typeface="BM DoHyeon OTF" panose="020B0600000101010101" pitchFamily="34" charset="-127"/>
+              <a:ea typeface="BM DoHyeon OTF" panose="020B0600000101010101" pitchFamily="34" charset="-127"/>
+            </a:endParaRPr>
           </a:p>
           <a:p>
             <a:pPr>
               <a:defRPr sz="4000"/>
             </a:pPr>
             <a:r>
-              <a:t>Mysql 연결을 해볼까 말까..</a:t>
+              <a:rPr b="0" dirty="0" err="1">
+                <a:latin typeface="BM DoHyeon OTF" panose="020B0600000101010101" pitchFamily="34" charset="-127"/>
+                <a:ea typeface="BM DoHyeon OTF" panose="020B0600000101010101" pitchFamily="34" charset="-127"/>
+              </a:rPr>
+              <a:t>Mysql</a:t>
+            </a:r>
+            <a:r>
+              <a:rPr b="0" dirty="0">
+                <a:latin typeface="BM DoHyeon OTF" panose="020B0600000101010101" pitchFamily="34" charset="-127"/>
+                <a:ea typeface="BM DoHyeon OTF" panose="020B0600000101010101" pitchFamily="34" charset="-127"/>
+              </a:rPr>
+              <a:t> </a:t>
+            </a:r>
+            <a:r>
+              <a:rPr b="0" dirty="0" err="1">
+                <a:latin typeface="BM DoHyeon OTF" panose="020B0600000101010101" pitchFamily="34" charset="-127"/>
+                <a:ea typeface="BM DoHyeon OTF" panose="020B0600000101010101" pitchFamily="34" charset="-127"/>
+              </a:rPr>
+              <a:t>연결을</a:t>
+            </a:r>
+            <a:r>
+              <a:rPr b="0" dirty="0">
+                <a:latin typeface="BM DoHyeon OTF" panose="020B0600000101010101" pitchFamily="34" charset="-127"/>
+                <a:ea typeface="BM DoHyeon OTF" panose="020B0600000101010101" pitchFamily="34" charset="-127"/>
+              </a:rPr>
+              <a:t> </a:t>
+            </a:r>
+            <a:r>
+              <a:rPr b="0" dirty="0" err="1">
+                <a:latin typeface="BM DoHyeon OTF" panose="020B0600000101010101" pitchFamily="34" charset="-127"/>
+                <a:ea typeface="BM DoHyeon OTF" panose="020B0600000101010101" pitchFamily="34" charset="-127"/>
+              </a:rPr>
+              <a:t>해볼까</a:t>
+            </a:r>
+            <a:r>
+              <a:rPr b="0" dirty="0">
+                <a:latin typeface="BM DoHyeon OTF" panose="020B0600000101010101" pitchFamily="34" charset="-127"/>
+                <a:ea typeface="BM DoHyeon OTF" panose="020B0600000101010101" pitchFamily="34" charset="-127"/>
+              </a:rPr>
+              <a:t> </a:t>
+            </a:r>
+            <a:r>
+              <a:rPr b="0" dirty="0" err="1">
+                <a:latin typeface="BM DoHyeon OTF" panose="020B0600000101010101" pitchFamily="34" charset="-127"/>
+                <a:ea typeface="BM DoHyeon OTF" panose="020B0600000101010101" pitchFamily="34" charset="-127"/>
+              </a:rPr>
+              <a:t>말까</a:t>
+            </a:r>
+            <a:r>
+              <a:rPr b="0" dirty="0">
+                <a:latin typeface="BM DoHyeon OTF" panose="020B0600000101010101" pitchFamily="34" charset="-127"/>
+                <a:ea typeface="BM DoHyeon OTF" panose="020B0600000101010101" pitchFamily="34" charset="-127"/>
+              </a:rPr>
+              <a:t>..</a:t>
             </a:r>
           </a:p>
         </p:txBody>
@@ -4061,12 +4271,12 @@
   <p:clrMapOvr>
     <a:masterClrMapping/>
   </p:clrMapOvr>
-  <p:transition xmlns:p14="http://schemas.microsoft.com/office/powerpoint/2010/main" spd="med" advClick="1"/>
+  <p:transition spd="med"/>
 </p:sld>
 </file>
 
 <file path=ppt/slides/slide2.xml><?xml version="1.0" encoding="utf-8"?>
-<p:sld xmlns:a="http://schemas.openxmlformats.org/drawingml/2006/main" xmlns:r="http://schemas.openxmlformats.org/officeDocument/2006/relationships" xmlns:p="http://schemas.openxmlformats.org/presentationml/2006/main" showMasterSp="1" showMasterPhAnim="1">
+<p:sld xmlns:a="http://schemas.openxmlformats.org/drawingml/2006/main" xmlns:r="http://schemas.openxmlformats.org/officeDocument/2006/relationships" xmlns:p="http://schemas.openxmlformats.org/presentationml/2006/main">
   <p:cSld>
     <p:spTree>
       <p:nvGrpSpPr>
@@ -4101,7 +4311,7 @@
           </a:ln>
           <a:extLst>
             <a:ext uri="{C572A759-6A51-4108-AA02-DFA0A04FC94B}">
-              <ma14:wrappingTextBoxFlag xmlns:ma14="http://schemas.microsoft.com/office/mac/drawingml/2011/main" val="1"/>
+              <ma14:wrappingTextBoxFlag xmlns:ma14="http://schemas.microsoft.com/office/mac/drawingml/2011/main" xmlns="" val="1"/>
             </a:ext>
           </a:extLst>
         </p:spPr>
@@ -4111,7 +4321,7 @@
           </a:bodyPr>
           <a:lstStyle>
             <a:lvl1pPr>
-              <a:defRPr b="0" sz="3800">
+              <a:defRPr sz="3800" b="0">
                 <a:latin typeface="배달의민족 한나는 열한살 OTF"/>
                 <a:ea typeface="배달의민족 한나는 열한살 OTF"/>
                 <a:cs typeface="배달의민족 한나는 열한살 OTF"/>
@@ -4120,7 +4330,6 @@
             </a:lvl1pPr>
           </a:lstStyle>
           <a:p>
-            <a:pPr/>
             <a:r>
               <a:t>Flask 가지고 놀기_5월 29일</a:t>
             </a:r>
@@ -4185,7 +4394,7 @@
           <a:lstStyle/>
           <a:p>
             <a:pPr>
-              <a:defRPr b="0" sz="2200">
+              <a:defRPr sz="2200" b="0">
                 <a:solidFill>
                   <a:srgbClr val="FFFFFF"/>
                 </a:solidFill>
@@ -4195,6 +4404,7 @@
                 <a:sym typeface="Helvetica Neue Medium"/>
               </a:defRPr>
             </a:pPr>
+            <a:endParaRPr/>
           </a:p>
         </p:txBody>
       </p:sp>
@@ -4217,7 +4427,7 @@
           </a:ln>
           <a:extLst>
             <a:ext uri="{C572A759-6A51-4108-AA02-DFA0A04FC94B}">
-              <ma14:wrappingTextBoxFlag xmlns:ma14="http://schemas.microsoft.com/office/mac/drawingml/2011/main" val="1"/>
+              <ma14:wrappingTextBoxFlag xmlns:ma14="http://schemas.microsoft.com/office/mac/drawingml/2011/main" xmlns="" val="1"/>
             </a:ext>
           </a:extLst>
         </p:spPr>
@@ -4229,8 +4439,8 @@
           <a:p>
             <a:pPr marL="476250" indent="-476250" algn="l">
               <a:buSzPct val="100000"/>
-              <a:buAutoNum type="arabicPeriod" startAt="1"/>
-              <a:defRPr b="0" sz="4300">
+              <a:buAutoNum type="arabicPeriod"/>
+              <a:defRPr sz="4300" b="0">
                 <a:latin typeface="배달의민족 도현 OTF"/>
                 <a:ea typeface="배달의민족 도현 OTF"/>
                 <a:cs typeface="배달의민족 도현 OTF"/>
@@ -4243,19 +4453,20 @@
           </a:p>
           <a:p>
             <a:pPr algn="l">
-              <a:defRPr b="0" sz="4300">
+              <a:defRPr sz="4300" b="0">
                 <a:latin typeface="배달의민족 도현 OTF"/>
                 <a:ea typeface="배달의민족 도현 OTF"/>
                 <a:cs typeface="배달의민족 도현 OTF"/>
                 <a:sym typeface="배달의민족 도현 OTF"/>
               </a:defRPr>
             </a:pPr>
+            <a:endParaRPr/>
           </a:p>
           <a:p>
             <a:pPr marL="476250" indent="-476250" algn="l">
               <a:buSzPct val="100000"/>
               <a:buAutoNum type="arabicPeriod" startAt="2"/>
-              <a:defRPr b="0" sz="4300">
+              <a:defRPr sz="4300" b="0">
                 <a:latin typeface="배달의민족 도현 OTF"/>
                 <a:ea typeface="배달의민족 도현 OTF"/>
                 <a:cs typeface="배달의민족 도현 OTF"/>
@@ -4268,19 +4479,20 @@
           </a:p>
           <a:p>
             <a:pPr algn="l">
-              <a:defRPr b="0" sz="4300">
+              <a:defRPr sz="4300" b="0">
                 <a:latin typeface="배달의민족 도현 OTF"/>
                 <a:ea typeface="배달의민족 도현 OTF"/>
                 <a:cs typeface="배달의민족 도현 OTF"/>
                 <a:sym typeface="배달의민족 도현 OTF"/>
               </a:defRPr>
             </a:pPr>
+            <a:endParaRPr/>
           </a:p>
           <a:p>
             <a:pPr marL="476250" indent="-476250" algn="l">
               <a:buSzPct val="100000"/>
               <a:buAutoNum type="arabicPeriod" startAt="3"/>
-              <a:defRPr b="0" sz="4300">
+              <a:defRPr sz="4300" b="0">
                 <a:latin typeface="배달의민족 도현 OTF"/>
                 <a:ea typeface="배달의민족 도현 OTF"/>
                 <a:cs typeface="배달의민족 도현 OTF"/>
@@ -4293,19 +4505,20 @@
           </a:p>
           <a:p>
             <a:pPr algn="l">
-              <a:defRPr b="0" sz="4300">
+              <a:defRPr sz="4300" b="0">
                 <a:latin typeface="배달의민족 도현 OTF"/>
                 <a:ea typeface="배달의민족 도현 OTF"/>
                 <a:cs typeface="배달의민족 도현 OTF"/>
                 <a:sym typeface="배달의민족 도현 OTF"/>
               </a:defRPr>
             </a:pPr>
+            <a:endParaRPr/>
           </a:p>
           <a:p>
             <a:pPr marL="476250" indent="-476250" algn="l">
               <a:buSzPct val="100000"/>
               <a:buAutoNum type="arabicPeriod" startAt="4"/>
-              <a:defRPr b="0" sz="4300">
+              <a:defRPr sz="4300" b="0">
                 <a:latin typeface="배달의민족 도현 OTF"/>
                 <a:ea typeface="배달의민족 도현 OTF"/>
                 <a:cs typeface="배달의민족 도현 OTF"/>
@@ -4318,19 +4531,20 @@
           </a:p>
           <a:p>
             <a:pPr algn="l">
-              <a:defRPr b="0" sz="4300">
+              <a:defRPr sz="4300" b="0">
                 <a:latin typeface="배달의민족 도현 OTF"/>
                 <a:ea typeface="배달의민족 도현 OTF"/>
                 <a:cs typeface="배달의민족 도현 OTF"/>
                 <a:sym typeface="배달의민족 도현 OTF"/>
               </a:defRPr>
             </a:pPr>
+            <a:endParaRPr/>
           </a:p>
           <a:p>
             <a:pPr marL="476250" indent="-476250" algn="l">
               <a:buSzPct val="100000"/>
               <a:buAutoNum type="arabicPeriod" startAt="5"/>
-              <a:defRPr b="0" sz="4300">
+              <a:defRPr sz="4300" b="0">
                 <a:latin typeface="배달의민족 도현 OTF"/>
                 <a:ea typeface="배달의민족 도현 OTF"/>
                 <a:cs typeface="배달의민족 도현 OTF"/>
@@ -4348,12 +4562,12 @@
   <p:clrMapOvr>
     <a:masterClrMapping/>
   </p:clrMapOvr>
-  <p:transition xmlns:p14="http://schemas.microsoft.com/office/powerpoint/2010/main" spd="med" advClick="1"/>
+  <p:transition spd="med"/>
 </p:sld>
 </file>
 
 <file path=ppt/slides/slide3.xml><?xml version="1.0" encoding="utf-8"?>
-<p:sld xmlns:a="http://schemas.openxmlformats.org/drawingml/2006/main" xmlns:r="http://schemas.openxmlformats.org/officeDocument/2006/relationships" xmlns:p="http://schemas.openxmlformats.org/presentationml/2006/main" showMasterSp="1" showMasterPhAnim="1">
+<p:sld xmlns:a="http://schemas.openxmlformats.org/drawingml/2006/main" xmlns:r="http://schemas.openxmlformats.org/officeDocument/2006/relationships" xmlns:p="http://schemas.openxmlformats.org/presentationml/2006/main">
   <p:cSld>
     <p:spTree>
       <p:nvGrpSpPr>
@@ -4388,7 +4602,7 @@
           </a:ln>
           <a:extLst>
             <a:ext uri="{C572A759-6A51-4108-AA02-DFA0A04FC94B}">
-              <ma14:wrappingTextBoxFlag xmlns:ma14="http://schemas.microsoft.com/office/mac/drawingml/2011/main" val="1"/>
+              <ma14:wrappingTextBoxFlag xmlns:ma14="http://schemas.microsoft.com/office/mac/drawingml/2011/main" xmlns="" val="1"/>
             </a:ext>
           </a:extLst>
         </p:spPr>
@@ -4398,7 +4612,7 @@
           </a:bodyPr>
           <a:lstStyle>
             <a:lvl1pPr>
-              <a:defRPr b="0" sz="3800">
+              <a:defRPr sz="3800" b="0">
                 <a:latin typeface="배달의민족 한나는 열한살 OTF"/>
                 <a:ea typeface="배달의민족 한나는 열한살 OTF"/>
                 <a:cs typeface="배달의민족 한나는 열한살 OTF"/>
@@ -4407,7 +4621,6 @@
             </a:lvl1pPr>
           </a:lstStyle>
           <a:p>
-            <a:pPr/>
             <a:r>
               <a:t>Flask 가지고 놀기_5월 29일</a:t>
             </a:r>
@@ -4472,7 +4685,7 @@
           <a:lstStyle/>
           <a:p>
             <a:pPr>
-              <a:defRPr b="0" sz="2200">
+              <a:defRPr sz="2200" b="0">
                 <a:solidFill>
                   <a:srgbClr val="FFFFFF"/>
                 </a:solidFill>
@@ -4482,6 +4695,7 @@
                 <a:sym typeface="Helvetica Neue Medium"/>
               </a:defRPr>
             </a:pPr>
+            <a:endParaRPr/>
           </a:p>
         </p:txBody>
       </p:sp>
@@ -4504,7 +4718,7 @@
           </a:ln>
           <a:extLst>
             <a:ext uri="{C572A759-6A51-4108-AA02-DFA0A04FC94B}">
-              <ma14:wrappingTextBoxFlag xmlns:ma14="http://schemas.microsoft.com/office/mac/drawingml/2011/main" val="1"/>
+              <ma14:wrappingTextBoxFlag xmlns:ma14="http://schemas.microsoft.com/office/mac/drawingml/2011/main" xmlns="" val="1"/>
             </a:ext>
           </a:extLst>
         </p:spPr>
@@ -4514,7 +4728,7 @@
           </a:bodyPr>
           <a:lstStyle>
             <a:lvl1pPr>
-              <a:defRPr b="0" sz="8000">
+              <a:defRPr sz="8000" b="0">
                 <a:latin typeface="배달의민족 도현 OTF"/>
                 <a:ea typeface="배달의민족 도현 OTF"/>
                 <a:cs typeface="배달의민족 도현 OTF"/>
@@ -4523,7 +4737,6 @@
             </a:lvl1pPr>
           </a:lstStyle>
           <a:p>
-            <a:pPr/>
             <a:r>
               <a:t>Flask?</a:t>
             </a:r>
@@ -4564,12 +4777,12 @@
   <p:clrMapOvr>
     <a:masterClrMapping/>
   </p:clrMapOvr>
-  <p:transition xmlns:p14="http://schemas.microsoft.com/office/powerpoint/2010/main" spd="med" advClick="1"/>
+  <p:transition spd="med"/>
 </p:sld>
 </file>
 
 <file path=ppt/slides/slide4.xml><?xml version="1.0" encoding="utf-8"?>
-<p:sld xmlns:a="http://schemas.openxmlformats.org/drawingml/2006/main" xmlns:r="http://schemas.openxmlformats.org/officeDocument/2006/relationships" xmlns:p="http://schemas.openxmlformats.org/presentationml/2006/main" showMasterSp="1" showMasterPhAnim="1">
+<p:sld xmlns:a="http://schemas.openxmlformats.org/drawingml/2006/main" xmlns:r="http://schemas.openxmlformats.org/officeDocument/2006/relationships" xmlns:p="http://schemas.openxmlformats.org/presentationml/2006/main">
   <p:cSld>
     <p:spTree>
       <p:nvGrpSpPr>
@@ -4604,7 +4817,7 @@
           </a:ln>
           <a:extLst>
             <a:ext uri="{C572A759-6A51-4108-AA02-DFA0A04FC94B}">
-              <ma14:wrappingTextBoxFlag xmlns:ma14="http://schemas.microsoft.com/office/mac/drawingml/2011/main" val="1"/>
+              <ma14:wrappingTextBoxFlag xmlns:ma14="http://schemas.microsoft.com/office/mac/drawingml/2011/main" xmlns="" val="1"/>
             </a:ext>
           </a:extLst>
         </p:spPr>
@@ -4614,7 +4827,7 @@
           </a:bodyPr>
           <a:lstStyle>
             <a:lvl1pPr>
-              <a:defRPr b="0" sz="3800">
+              <a:defRPr sz="3800" b="0">
                 <a:latin typeface="배달의민족 한나는 열한살 OTF"/>
                 <a:ea typeface="배달의민족 한나는 열한살 OTF"/>
                 <a:cs typeface="배달의민족 한나는 열한살 OTF"/>
@@ -4623,7 +4836,6 @@
             </a:lvl1pPr>
           </a:lstStyle>
           <a:p>
-            <a:pPr/>
             <a:r>
               <a:t>Flask 가지고 놀기_5월 29일</a:t>
             </a:r>
@@ -4688,7 +4900,7 @@
           <a:lstStyle/>
           <a:p>
             <a:pPr>
-              <a:defRPr b="0" sz="2200">
+              <a:defRPr sz="2200" b="0">
                 <a:solidFill>
                   <a:srgbClr val="FFFFFF"/>
                 </a:solidFill>
@@ -4698,6 +4910,7 @@
                 <a:sym typeface="Helvetica Neue Medium"/>
               </a:defRPr>
             </a:pPr>
+            <a:endParaRPr/>
           </a:p>
         </p:txBody>
       </p:sp>
@@ -4720,7 +4933,7 @@
           </a:ln>
           <a:extLst>
             <a:ext uri="{C572A759-6A51-4108-AA02-DFA0A04FC94B}">
-              <ma14:wrappingTextBoxFlag xmlns:ma14="http://schemas.microsoft.com/office/mac/drawingml/2011/main" val="1"/>
+              <ma14:wrappingTextBoxFlag xmlns:ma14="http://schemas.microsoft.com/office/mac/drawingml/2011/main" xmlns="" val="1"/>
             </a:ext>
           </a:extLst>
         </p:spPr>
@@ -4731,7 +4944,7 @@
           <a:lstStyle/>
           <a:p>
             <a:pPr>
-              <a:defRPr b="0" sz="8000">
+              <a:defRPr sz="8000" b="0">
                 <a:latin typeface="배달의민족 도현 OTF"/>
                 <a:ea typeface="배달의민족 도현 OTF"/>
                 <a:cs typeface="배달의민족 도현 OTF"/>
@@ -4744,7 +4957,7 @@
           </a:p>
           <a:p>
             <a:pPr>
-              <a:defRPr b="0" sz="6000">
+              <a:defRPr sz="6000" b="0">
                 <a:latin typeface="배달의민족 도현 OTF"/>
                 <a:ea typeface="배달의민족 도현 OTF"/>
                 <a:cs typeface="배달의민족 도현 OTF"/>
@@ -4791,12 +5004,12 @@
   <p:clrMapOvr>
     <a:masterClrMapping/>
   </p:clrMapOvr>
-  <p:transition xmlns:p14="http://schemas.microsoft.com/office/powerpoint/2010/main" spd="med" advClick="1"/>
+  <p:transition spd="med"/>
 </p:sld>
 </file>
 
 <file path=ppt/slides/slide5.xml><?xml version="1.0" encoding="utf-8"?>
-<p:sld xmlns:a="http://schemas.openxmlformats.org/drawingml/2006/main" xmlns:r="http://schemas.openxmlformats.org/officeDocument/2006/relationships" xmlns:p="http://schemas.openxmlformats.org/presentationml/2006/main" showMasterSp="1" showMasterPhAnim="1">
+<p:sld xmlns:a="http://schemas.openxmlformats.org/drawingml/2006/main" xmlns:r="http://schemas.openxmlformats.org/officeDocument/2006/relationships" xmlns:p="http://schemas.openxmlformats.org/presentationml/2006/main">
   <p:cSld>
     <p:spTree>
       <p:nvGrpSpPr>
@@ -4831,7 +5044,7 @@
           </a:ln>
           <a:extLst>
             <a:ext uri="{C572A759-6A51-4108-AA02-DFA0A04FC94B}">
-              <ma14:wrappingTextBoxFlag xmlns:ma14="http://schemas.microsoft.com/office/mac/drawingml/2011/main" val="1"/>
+              <ma14:wrappingTextBoxFlag xmlns:ma14="http://schemas.microsoft.com/office/mac/drawingml/2011/main" xmlns="" val="1"/>
             </a:ext>
           </a:extLst>
         </p:spPr>
@@ -4841,7 +5054,7 @@
           </a:bodyPr>
           <a:lstStyle>
             <a:lvl1pPr>
-              <a:defRPr b="0" sz="3800">
+              <a:defRPr sz="3800" b="0">
                 <a:latin typeface="배달의민족 한나는 열한살 OTF"/>
                 <a:ea typeface="배달의민족 한나는 열한살 OTF"/>
                 <a:cs typeface="배달의민족 한나는 열한살 OTF"/>
@@ -4850,7 +5063,6 @@
             </a:lvl1pPr>
           </a:lstStyle>
           <a:p>
-            <a:pPr/>
             <a:r>
               <a:t>Flask 가지고 놀기_5월 29일</a:t>
             </a:r>
@@ -4915,7 +5127,7 @@
           <a:lstStyle/>
           <a:p>
             <a:pPr>
-              <a:defRPr b="0" sz="2200">
+              <a:defRPr sz="2200" b="0">
                 <a:solidFill>
                   <a:srgbClr val="FFFFFF"/>
                 </a:solidFill>
@@ -4925,6 +5137,7 @@
                 <a:sym typeface="Helvetica Neue Medium"/>
               </a:defRPr>
             </a:pPr>
+            <a:endParaRPr/>
           </a:p>
         </p:txBody>
       </p:sp>
@@ -4976,7 +5189,7 @@
           </a:ln>
           <a:extLst>
             <a:ext uri="{C572A759-6A51-4108-AA02-DFA0A04FC94B}">
-              <ma14:wrappingTextBoxFlag xmlns:ma14="http://schemas.microsoft.com/office/mac/drawingml/2011/main" val="1"/>
+              <ma14:wrappingTextBoxFlag xmlns:ma14="http://schemas.microsoft.com/office/mac/drawingml/2011/main" xmlns="" val="1"/>
             </a:ext>
           </a:extLst>
         </p:spPr>
@@ -4986,7 +5199,7 @@
           </a:bodyPr>
           <a:lstStyle>
             <a:lvl1pPr>
-              <a:defRPr b="0" sz="6000">
+              <a:defRPr sz="6000" b="0">
                 <a:latin typeface="배달의민족 도현 OTF"/>
                 <a:ea typeface="배달의민족 도현 OTF"/>
                 <a:cs typeface="배달의민족 도현 OTF"/>
@@ -4995,7 +5208,6 @@
             </a:lvl1pPr>
           </a:lstStyle>
           <a:p>
-            <a:pPr/>
             <a:r>
               <a:t>Web Framework…?</a:t>
             </a:r>
@@ -5007,12 +5219,12 @@
   <p:clrMapOvr>
     <a:masterClrMapping/>
   </p:clrMapOvr>
-  <p:transition xmlns:p14="http://schemas.microsoft.com/office/powerpoint/2010/main" spd="med" advClick="1"/>
+  <p:transition spd="med"/>
 </p:sld>
 </file>
 
 <file path=ppt/slides/slide6.xml><?xml version="1.0" encoding="utf-8"?>
-<p:sld xmlns:a="http://schemas.openxmlformats.org/drawingml/2006/main" xmlns:r="http://schemas.openxmlformats.org/officeDocument/2006/relationships" xmlns:p="http://schemas.openxmlformats.org/presentationml/2006/main" showMasterSp="1" showMasterPhAnim="1">
+<p:sld xmlns:a="http://schemas.openxmlformats.org/drawingml/2006/main" xmlns:r="http://schemas.openxmlformats.org/officeDocument/2006/relationships" xmlns:p="http://schemas.openxmlformats.org/presentationml/2006/main">
   <p:cSld>
     <p:spTree>
       <p:nvGrpSpPr>
@@ -5047,7 +5259,7 @@
           </a:ln>
           <a:extLst>
             <a:ext uri="{C572A759-6A51-4108-AA02-DFA0A04FC94B}">
-              <ma14:wrappingTextBoxFlag xmlns:ma14="http://schemas.microsoft.com/office/mac/drawingml/2011/main" val="1"/>
+              <ma14:wrappingTextBoxFlag xmlns:ma14="http://schemas.microsoft.com/office/mac/drawingml/2011/main" xmlns="" val="1"/>
             </a:ext>
           </a:extLst>
         </p:spPr>
@@ -5057,7 +5269,7 @@
           </a:bodyPr>
           <a:lstStyle>
             <a:lvl1pPr>
-              <a:defRPr b="0" sz="3800">
+              <a:defRPr sz="3800" b="0">
                 <a:latin typeface="배달의민족 한나는 열한살 OTF"/>
                 <a:ea typeface="배달의민족 한나는 열한살 OTF"/>
                 <a:cs typeface="배달의민족 한나는 열한살 OTF"/>
@@ -5066,7 +5278,6 @@
             </a:lvl1pPr>
           </a:lstStyle>
           <a:p>
-            <a:pPr/>
             <a:r>
               <a:t>Flask 가지고 놀기_5월 29일</a:t>
             </a:r>
@@ -5131,7 +5342,7 @@
           <a:lstStyle/>
           <a:p>
             <a:pPr>
-              <a:defRPr b="0" sz="2200">
+              <a:defRPr sz="2200" b="0">
                 <a:solidFill>
                   <a:srgbClr val="FFFFFF"/>
                 </a:solidFill>
@@ -5141,6 +5352,7 @@
                 <a:sym typeface="Helvetica Neue Medium"/>
               </a:defRPr>
             </a:pPr>
+            <a:endParaRPr/>
           </a:p>
         </p:txBody>
       </p:sp>
@@ -5163,7 +5375,7 @@
           </a:ln>
           <a:extLst>
             <a:ext uri="{C572A759-6A51-4108-AA02-DFA0A04FC94B}">
-              <ma14:wrappingTextBoxFlag xmlns:ma14="http://schemas.microsoft.com/office/mac/drawingml/2011/main" val="1"/>
+              <ma14:wrappingTextBoxFlag xmlns:ma14="http://schemas.microsoft.com/office/mac/drawingml/2011/main" xmlns="" val="1"/>
             </a:ext>
           </a:extLst>
         </p:spPr>
@@ -5174,7 +5386,7 @@
           <a:lstStyle/>
           <a:p>
             <a:pPr>
-              <a:defRPr b="0" sz="8000">
+              <a:defRPr sz="8000" b="0">
                 <a:latin typeface="배달의민족 도현 OTF"/>
                 <a:ea typeface="배달의민족 도현 OTF"/>
                 <a:cs typeface="배달의민족 도현 OTF"/>
@@ -5187,7 +5399,7 @@
           </a:p>
           <a:p>
             <a:pPr>
-              <a:defRPr b="0" sz="4000">
+              <a:defRPr sz="4000" b="0">
                 <a:latin typeface="배달의민족 도현 OTF"/>
                 <a:ea typeface="배달의민족 도현 OTF"/>
                 <a:cs typeface="배달의민족 도현 OTF"/>
@@ -5200,7 +5412,7 @@
           </a:p>
           <a:p>
             <a:pPr>
-              <a:defRPr b="0" sz="4000">
+              <a:defRPr sz="4000" b="0">
                 <a:latin typeface="배달의민족 도현 OTF"/>
                 <a:ea typeface="배달의민족 도현 OTF"/>
                 <a:cs typeface="배달의민족 도현 OTF"/>
@@ -5213,7 +5425,7 @@
           </a:p>
           <a:p>
             <a:pPr>
-              <a:defRPr b="0" sz="4000">
+              <a:defRPr sz="4000" b="0">
                 <a:latin typeface="배달의민족 도현 OTF"/>
                 <a:ea typeface="배달의민족 도현 OTF"/>
                 <a:cs typeface="배달의민족 도현 OTF"/>
@@ -5226,7 +5438,7 @@
           </a:p>
           <a:p>
             <a:pPr>
-              <a:defRPr b="0" sz="4000">
+              <a:defRPr sz="4000" b="0">
                 <a:latin typeface="배달의민족 도현 OTF"/>
                 <a:ea typeface="배달의민족 도현 OTF"/>
                 <a:cs typeface="배달의민족 도현 OTF"/>
@@ -5239,7 +5451,7 @@
           </a:p>
           <a:p>
             <a:pPr>
-              <a:defRPr b="0" sz="4000">
+              <a:defRPr sz="4000" b="0">
                 <a:latin typeface="배달의민족 도현 OTF"/>
                 <a:ea typeface="배달의민족 도현 OTF"/>
                 <a:cs typeface="배달의민족 도현 OTF"/>
@@ -5252,7 +5464,7 @@
           </a:p>
           <a:p>
             <a:pPr>
-              <a:defRPr b="0" sz="4000">
+              <a:defRPr sz="4000" b="0">
                 <a:latin typeface="배달의민족 도현 OTF"/>
                 <a:ea typeface="배달의민족 도현 OTF"/>
                 <a:cs typeface="배달의민족 도현 OTF"/>
@@ -5270,12 +5482,12 @@
   <p:clrMapOvr>
     <a:masterClrMapping/>
   </p:clrMapOvr>
-  <p:transition xmlns:p14="http://schemas.microsoft.com/office/powerpoint/2010/main" spd="med" advClick="1"/>
+  <p:transition spd="med"/>
 </p:sld>
 </file>
 
 <file path=ppt/slides/slide7.xml><?xml version="1.0" encoding="utf-8"?>
-<p:sld xmlns:a="http://schemas.openxmlformats.org/drawingml/2006/main" xmlns:r="http://schemas.openxmlformats.org/officeDocument/2006/relationships" xmlns:p="http://schemas.openxmlformats.org/presentationml/2006/main" showMasterSp="1" showMasterPhAnim="1">
+<p:sld xmlns:a="http://schemas.openxmlformats.org/drawingml/2006/main" xmlns:r="http://schemas.openxmlformats.org/officeDocument/2006/relationships" xmlns:p="http://schemas.openxmlformats.org/presentationml/2006/main">
   <p:cSld>
     <p:spTree>
       <p:nvGrpSpPr>
@@ -5310,7 +5522,7 @@
           </a:ln>
           <a:extLst>
             <a:ext uri="{C572A759-6A51-4108-AA02-DFA0A04FC94B}">
-              <ma14:wrappingTextBoxFlag xmlns:ma14="http://schemas.microsoft.com/office/mac/drawingml/2011/main" val="1"/>
+              <ma14:wrappingTextBoxFlag xmlns:ma14="http://schemas.microsoft.com/office/mac/drawingml/2011/main" xmlns="" val="1"/>
             </a:ext>
           </a:extLst>
         </p:spPr>
@@ -5320,7 +5532,7 @@
           </a:bodyPr>
           <a:lstStyle>
             <a:lvl1pPr>
-              <a:defRPr b="0" sz="3800">
+              <a:defRPr sz="3800" b="0">
                 <a:latin typeface="배달의민족 한나는 열한살 OTF"/>
                 <a:ea typeface="배달의민족 한나는 열한살 OTF"/>
                 <a:cs typeface="배달의민족 한나는 열한살 OTF"/>
@@ -5329,7 +5541,6 @@
             </a:lvl1pPr>
           </a:lstStyle>
           <a:p>
-            <a:pPr/>
             <a:r>
               <a:t>Flask 가지고 놀기_5월 29일</a:t>
             </a:r>
@@ -5394,7 +5605,7 @@
           <a:lstStyle/>
           <a:p>
             <a:pPr>
-              <a:defRPr b="0" sz="2200">
+              <a:defRPr sz="2200" b="0">
                 <a:solidFill>
                   <a:srgbClr val="FFFFFF"/>
                 </a:solidFill>
@@ -5404,6 +5615,7 @@
                 <a:sym typeface="Helvetica Neue Medium"/>
               </a:defRPr>
             </a:pPr>
+            <a:endParaRPr/>
           </a:p>
         </p:txBody>
       </p:sp>
@@ -5426,7 +5638,7 @@
           </a:ln>
           <a:extLst>
             <a:ext uri="{C572A759-6A51-4108-AA02-DFA0A04FC94B}">
-              <ma14:wrappingTextBoxFlag xmlns:ma14="http://schemas.microsoft.com/office/mac/drawingml/2011/main" val="1"/>
+              <ma14:wrappingTextBoxFlag xmlns:ma14="http://schemas.microsoft.com/office/mac/drawingml/2011/main" xmlns="" val="1"/>
             </a:ext>
           </a:extLst>
         </p:spPr>
@@ -5437,7 +5649,7 @@
           <a:lstStyle/>
           <a:p>
             <a:pPr>
-              <a:defRPr b="0" sz="8000">
+              <a:defRPr sz="8000" b="0">
                 <a:latin typeface="배달의민족 도현 OTF"/>
                 <a:ea typeface="배달의민족 도현 OTF"/>
                 <a:cs typeface="배달의민족 도현 OTF"/>
@@ -5450,7 +5662,7 @@
           </a:p>
           <a:p>
             <a:pPr>
-              <a:defRPr b="0" sz="4000">
+              <a:defRPr sz="4000" b="0">
                 <a:latin typeface="배달의민족 도현 OTF"/>
                 <a:ea typeface="배달의민족 도현 OTF"/>
                 <a:cs typeface="배달의민족 도현 OTF"/>
@@ -5463,7 +5675,7 @@
           </a:p>
           <a:p>
             <a:pPr>
-              <a:defRPr b="0" sz="4000">
+              <a:defRPr sz="4000" b="0">
                 <a:latin typeface="배달의민족 도현 OTF"/>
                 <a:ea typeface="배달의민족 도현 OTF"/>
                 <a:cs typeface="배달의민족 도현 OTF"/>
@@ -5476,7 +5688,7 @@
           </a:p>
           <a:p>
             <a:pPr>
-              <a:defRPr b="0" sz="4000">
+              <a:defRPr sz="4000" b="0">
                 <a:latin typeface="배달의민족 도현 OTF"/>
                 <a:ea typeface="배달의민족 도현 OTF"/>
                 <a:cs typeface="배달의민족 도현 OTF"/>
@@ -5489,7 +5701,7 @@
           </a:p>
           <a:p>
             <a:pPr>
-              <a:defRPr b="0" sz="4000">
+              <a:defRPr sz="4000" b="0">
                 <a:latin typeface="배달의민족 도현 OTF"/>
                 <a:ea typeface="배달의민족 도현 OTF"/>
                 <a:cs typeface="배달의민족 도현 OTF"/>
@@ -5502,7 +5714,7 @@
           </a:p>
           <a:p>
             <a:pPr>
-              <a:defRPr b="0" sz="4000">
+              <a:defRPr sz="4000" b="0">
                 <a:latin typeface="배달의민족 도현 OTF"/>
                 <a:ea typeface="배달의민족 도현 OTF"/>
                 <a:cs typeface="배달의민족 도현 OTF"/>
@@ -5533,7 +5745,7 @@
         </p:blipFill>
         <p:spPr>
           <a:xfrm>
-            <a:off x="2028835" y="4091617"/>
+            <a:off x="2028835" y="4464150"/>
             <a:ext cx="8947130" cy="3498674"/>
           </a:xfrm>
           <a:prstGeom prst="rect">
@@ -5549,12 +5761,12 @@
   <p:clrMapOvr>
     <a:masterClrMapping/>
   </p:clrMapOvr>
-  <p:transition xmlns:p14="http://schemas.microsoft.com/office/powerpoint/2010/main" spd="med" advClick="1"/>
+  <p:transition spd="med"/>
 </p:sld>
 </file>
 
 <file path=ppt/slides/slide8.xml><?xml version="1.0" encoding="utf-8"?>
-<p:sld xmlns:a="http://schemas.openxmlformats.org/drawingml/2006/main" xmlns:r="http://schemas.openxmlformats.org/officeDocument/2006/relationships" xmlns:p="http://schemas.openxmlformats.org/presentationml/2006/main" showMasterSp="1" showMasterPhAnim="1">
+<p:sld xmlns:a="http://schemas.openxmlformats.org/drawingml/2006/main" xmlns:r="http://schemas.openxmlformats.org/officeDocument/2006/relationships" xmlns:p="http://schemas.openxmlformats.org/presentationml/2006/main">
   <p:cSld>
     <p:spTree>
       <p:nvGrpSpPr>
@@ -5589,7 +5801,7 @@
           </a:ln>
           <a:extLst>
             <a:ext uri="{C572A759-6A51-4108-AA02-DFA0A04FC94B}">
-              <ma14:wrappingTextBoxFlag xmlns:ma14="http://schemas.microsoft.com/office/mac/drawingml/2011/main" val="1"/>
+              <ma14:wrappingTextBoxFlag xmlns:ma14="http://schemas.microsoft.com/office/mac/drawingml/2011/main" xmlns="" val="1"/>
             </a:ext>
           </a:extLst>
         </p:spPr>
@@ -5599,7 +5811,7 @@
           </a:bodyPr>
           <a:lstStyle>
             <a:lvl1pPr>
-              <a:defRPr b="0" sz="3800">
+              <a:defRPr sz="3800" b="0">
                 <a:latin typeface="배달의민족 한나는 열한살 OTF"/>
                 <a:ea typeface="배달의민족 한나는 열한살 OTF"/>
                 <a:cs typeface="배달의민족 한나는 열한살 OTF"/>
@@ -5608,7 +5820,6 @@
             </a:lvl1pPr>
           </a:lstStyle>
           <a:p>
-            <a:pPr/>
             <a:r>
               <a:t>Flask 가지고 놀기_5월 29일</a:t>
             </a:r>
@@ -5673,7 +5884,7 @@
           <a:lstStyle/>
           <a:p>
             <a:pPr>
-              <a:defRPr b="0" sz="2200">
+              <a:defRPr sz="2200" b="0">
                 <a:solidFill>
                   <a:srgbClr val="FFFFFF"/>
                 </a:solidFill>
@@ -5683,6 +5894,7 @@
                 <a:sym typeface="Helvetica Neue Medium"/>
               </a:defRPr>
             </a:pPr>
+            <a:endParaRPr/>
           </a:p>
         </p:txBody>
       </p:sp>
@@ -5705,7 +5917,7 @@
           </a:ln>
           <a:extLst>
             <a:ext uri="{C572A759-6A51-4108-AA02-DFA0A04FC94B}">
-              <ma14:wrappingTextBoxFlag xmlns:ma14="http://schemas.microsoft.com/office/mac/drawingml/2011/main" val="1"/>
+              <ma14:wrappingTextBoxFlag xmlns:ma14="http://schemas.microsoft.com/office/mac/drawingml/2011/main" xmlns="" val="1"/>
             </a:ext>
           </a:extLst>
         </p:spPr>
@@ -5716,7 +5928,7 @@
           <a:lstStyle/>
           <a:p>
             <a:pPr>
-              <a:defRPr b="0" sz="8000">
+              <a:defRPr sz="8000" b="0">
                 <a:latin typeface="배달의민족 도현 OTF"/>
                 <a:ea typeface="배달의민족 도현 OTF"/>
                 <a:cs typeface="배달의민족 도현 OTF"/>
@@ -5729,7 +5941,7 @@
           </a:p>
           <a:p>
             <a:pPr>
-              <a:defRPr b="0" sz="1500">
+              <a:defRPr sz="1500" b="0">
                 <a:latin typeface="배달의민족 도현 OTF"/>
                 <a:ea typeface="배달의민족 도현 OTF"/>
                 <a:cs typeface="배달의민족 도현 OTF"/>
@@ -5761,7 +5973,7 @@
           </a:ln>
           <a:extLst>
             <a:ext uri="{C572A759-6A51-4108-AA02-DFA0A04FC94B}">
-              <ma14:wrappingTextBoxFlag xmlns:ma14="http://schemas.microsoft.com/office/mac/drawingml/2011/main" val="1"/>
+              <ma14:wrappingTextBoxFlag xmlns:ma14="http://schemas.microsoft.com/office/mac/drawingml/2011/main" xmlns="" val="1"/>
             </a:ext>
           </a:extLst>
         </p:spPr>
@@ -5783,7 +5995,6 @@
             </a:lvl1pPr>
           </a:lstStyle>
           <a:p>
-            <a:pPr/>
             <a:r>
               <a:t>pip install flask</a:t>
             </a:r>
@@ -5795,12 +6006,12 @@
   <p:clrMapOvr>
     <a:masterClrMapping/>
   </p:clrMapOvr>
-  <p:transition xmlns:p14="http://schemas.microsoft.com/office/powerpoint/2010/main" spd="med" advClick="1"/>
+  <p:transition spd="med"/>
 </p:sld>
 </file>
 
 <file path=ppt/slides/slide9.xml><?xml version="1.0" encoding="utf-8"?>
-<p:sld xmlns:a="http://schemas.openxmlformats.org/drawingml/2006/main" xmlns:r="http://schemas.openxmlformats.org/officeDocument/2006/relationships" xmlns:p="http://schemas.openxmlformats.org/presentationml/2006/main" showMasterSp="1" showMasterPhAnim="1">
+<p:sld xmlns:a="http://schemas.openxmlformats.org/drawingml/2006/main" xmlns:r="http://schemas.openxmlformats.org/officeDocument/2006/relationships" xmlns:p="http://schemas.openxmlformats.org/presentationml/2006/main">
   <p:cSld>
     <p:spTree>
       <p:nvGrpSpPr>
@@ -5835,7 +6046,7 @@
           </a:ln>
           <a:extLst>
             <a:ext uri="{C572A759-6A51-4108-AA02-DFA0A04FC94B}">
-              <ma14:wrappingTextBoxFlag xmlns:ma14="http://schemas.microsoft.com/office/mac/drawingml/2011/main" val="1"/>
+              <ma14:wrappingTextBoxFlag xmlns:ma14="http://schemas.microsoft.com/office/mac/drawingml/2011/main" xmlns="" val="1"/>
             </a:ext>
           </a:extLst>
         </p:spPr>
@@ -5845,7 +6056,7 @@
           </a:bodyPr>
           <a:lstStyle>
             <a:lvl1pPr>
-              <a:defRPr b="0" sz="3800">
+              <a:defRPr sz="3800" b="0">
                 <a:latin typeface="배달의민족 한나는 열한살 OTF"/>
                 <a:ea typeface="배달의민족 한나는 열한살 OTF"/>
                 <a:cs typeface="배달의민족 한나는 열한살 OTF"/>
@@ -5854,7 +6065,6 @@
             </a:lvl1pPr>
           </a:lstStyle>
           <a:p>
-            <a:pPr/>
             <a:r>
               <a:t>Flask 가지고 놀기_5월 29일</a:t>
             </a:r>
@@ -5919,7 +6129,7 @@
           <a:lstStyle/>
           <a:p>
             <a:pPr>
-              <a:defRPr b="0" sz="2200">
+              <a:defRPr sz="2200" b="0">
                 <a:solidFill>
                   <a:srgbClr val="FFFFFF"/>
                 </a:solidFill>
@@ -5929,6 +6139,7 @@
                 <a:sym typeface="Helvetica Neue Medium"/>
               </a:defRPr>
             </a:pPr>
+            <a:endParaRPr/>
           </a:p>
         </p:txBody>
       </p:sp>
@@ -5969,8 +6180,8 @@
         </p:nvSpPr>
         <p:spPr>
           <a:xfrm>
-            <a:off x="5354573" y="7531145"/>
-            <a:ext cx="2295653" cy="751332"/>
+            <a:off x="5235225" y="7547738"/>
+            <a:ext cx="2534348" cy="718145"/>
           </a:xfrm>
           <a:prstGeom prst="rect">
             <a:avLst/>
@@ -5980,7 +6191,7 @@
           </a:ln>
           <a:extLst>
             <a:ext uri="{C572A759-6A51-4108-AA02-DFA0A04FC94B}">
-              <ma14:wrappingTextBoxFlag xmlns:ma14="http://schemas.microsoft.com/office/mac/drawingml/2011/main" val="1"/>
+              <ma14:wrappingTextBoxFlag xmlns:ma14="http://schemas.microsoft.com/office/mac/drawingml/2011/main" xmlns="" val="1"/>
             </a:ext>
           </a:extLst>
         </p:spPr>
@@ -5994,9 +6205,33 @@
             </a:lvl1pPr>
           </a:lstStyle>
           <a:p>
-            <a:pPr/>
-            <a:r>
-              <a:t>이게 뭘까?</a:t>
+            <a:r>
+              <a:rPr b="0" dirty="0" err="1">
+                <a:latin typeface="BM DoHyeon OTF" panose="020B0600000101010101" pitchFamily="34" charset="-127"/>
+                <a:ea typeface="BM DoHyeon OTF" panose="020B0600000101010101" pitchFamily="34" charset="-127"/>
+              </a:rPr>
+              <a:t>이게</a:t>
+            </a:r>
+            <a:r>
+              <a:rPr b="0" dirty="0">
+                <a:latin typeface="BM DoHyeon OTF" panose="020B0600000101010101" pitchFamily="34" charset="-127"/>
+                <a:ea typeface="BM DoHyeon OTF" panose="020B0600000101010101" pitchFamily="34" charset="-127"/>
+              </a:rPr>
+              <a:t> </a:t>
+            </a:r>
+            <a:r>
+              <a:rPr b="0" dirty="0" err="1">
+                <a:latin typeface="BM DoHyeon OTF" panose="020B0600000101010101" pitchFamily="34" charset="-127"/>
+                <a:ea typeface="BM DoHyeon OTF" panose="020B0600000101010101" pitchFamily="34" charset="-127"/>
+              </a:rPr>
+              <a:t>뭘까</a:t>
+            </a:r>
+            <a:r>
+              <a:rPr b="0" dirty="0">
+                <a:latin typeface="BM DoHyeon OTF" panose="020B0600000101010101" pitchFamily="34" charset="-127"/>
+                <a:ea typeface="BM DoHyeon OTF" panose="020B0600000101010101" pitchFamily="34" charset="-127"/>
+              </a:rPr>
+              <a:t>?</a:t>
             </a:r>
           </a:p>
         </p:txBody>
@@ -6006,12 +6241,12 @@
   <p:clrMapOvr>
     <a:masterClrMapping/>
   </p:clrMapOvr>
-  <p:transition xmlns:p14="http://schemas.microsoft.com/office/powerpoint/2010/main" spd="med" advClick="1"/>
+  <p:transition spd="med"/>
 </p:sld>
 </file>
 
 <file path=ppt/theme/theme1.xml><?xml version="1.0" encoding="utf-8"?>
-<a:theme xmlns:a="http://schemas.openxmlformats.org/drawingml/2006/main" xmlns:r="http://schemas.openxmlformats.org/officeDocument/2006/relationships" name="White">
+<a:theme xmlns:a="http://schemas.openxmlformats.org/drawingml/2006/main" name="White">
   <a:themeElements>
     <a:clrScheme name="White">
       <a:dk1>
@@ -6210,7 +6445,7 @@
         <a:effectLst/>
         <a:sp3d/>
       </a:spPr>
-      <a:bodyPr rot="0" spcFirstLastPara="1" vertOverflow="overflow" horzOverflow="overflow" vert="horz" wrap="square" lIns="50800" tIns="50800" rIns="50800" bIns="50800" numCol="1" spcCol="38100" rtlCol="0" anchor="ctr" upright="0">
+      <a:bodyPr rot="0" spcFirstLastPara="1" vertOverflow="overflow" horzOverflow="overflow" vert="horz" wrap="square" lIns="50800" tIns="50800" rIns="50800" bIns="50800" numCol="1" spcCol="38100" rtlCol="0" anchor="ctr">
         <a:spAutoFit/>
       </a:bodyPr>
       <a:lstStyle>
@@ -6229,7 +6464,7 @@
           <a:buFontTx/>
           <a:buNone/>
           <a:tabLst/>
-          <a:defRPr b="0" baseline="0" cap="none" i="0" spc="0" strike="noStrike" sz="2200" u="none" kumimoji="0" normalizeH="0">
+          <a:defRPr kumimoji="0" sz="2200" b="0" i="0" u="none" strike="noStrike" cap="none" spc="0" normalizeH="0" baseline="0">
             <a:ln>
               <a:noFill/>
             </a:ln>
@@ -6259,7 +6494,7 @@
           <a:buFontTx/>
           <a:buNone/>
           <a:tabLst/>
-          <a:defRPr b="0" baseline="0" cap="none" i="0" spc="0" strike="noStrike" sz="1800" u="none" kumimoji="0" normalizeH="0">
+          <a:defRPr kumimoji="0" sz="1800" b="0" i="0" u="none" strike="noStrike" cap="none" spc="0" normalizeH="0" baseline="0">
             <a:ln>
               <a:noFill/>
             </a:ln>
@@ -6285,7 +6520,7 @@
           <a:buFontTx/>
           <a:buNone/>
           <a:tabLst/>
-          <a:defRPr b="0" baseline="0" cap="none" i="0" spc="0" strike="noStrike" sz="1800" u="none" kumimoji="0" normalizeH="0">
+          <a:defRPr kumimoji="0" sz="1800" b="0" i="0" u="none" strike="noStrike" cap="none" spc="0" normalizeH="0" baseline="0">
             <a:ln>
               <a:noFill/>
             </a:ln>
@@ -6311,7 +6546,7 @@
           <a:buFontTx/>
           <a:buNone/>
           <a:tabLst/>
-          <a:defRPr b="0" baseline="0" cap="none" i="0" spc="0" strike="noStrike" sz="1800" u="none" kumimoji="0" normalizeH="0">
+          <a:defRPr kumimoji="0" sz="1800" b="0" i="0" u="none" strike="noStrike" cap="none" spc="0" normalizeH="0" baseline="0">
             <a:ln>
               <a:noFill/>
             </a:ln>
@@ -6337,7 +6572,7 @@
           <a:buFontTx/>
           <a:buNone/>
           <a:tabLst/>
-          <a:defRPr b="0" baseline="0" cap="none" i="0" spc="0" strike="noStrike" sz="1800" u="none" kumimoji="0" normalizeH="0">
+          <a:defRPr kumimoji="0" sz="1800" b="0" i="0" u="none" strike="noStrike" cap="none" spc="0" normalizeH="0" baseline="0">
             <a:ln>
               <a:noFill/>
             </a:ln>
@@ -6363,7 +6598,7 @@
           <a:buFontTx/>
           <a:buNone/>
           <a:tabLst/>
-          <a:defRPr b="0" baseline="0" cap="none" i="0" spc="0" strike="noStrike" sz="1800" u="none" kumimoji="0" normalizeH="0">
+          <a:defRPr kumimoji="0" sz="1800" b="0" i="0" u="none" strike="noStrike" cap="none" spc="0" normalizeH="0" baseline="0">
             <a:ln>
               <a:noFill/>
             </a:ln>
@@ -6389,7 +6624,7 @@
           <a:buFontTx/>
           <a:buNone/>
           <a:tabLst/>
-          <a:defRPr b="0" baseline="0" cap="none" i="0" spc="0" strike="noStrike" sz="1800" u="none" kumimoji="0" normalizeH="0">
+          <a:defRPr kumimoji="0" sz="1800" b="0" i="0" u="none" strike="noStrike" cap="none" spc="0" normalizeH="0" baseline="0">
             <a:ln>
               <a:noFill/>
             </a:ln>
@@ -6415,7 +6650,7 @@
           <a:buFontTx/>
           <a:buNone/>
           <a:tabLst/>
-          <a:defRPr b="0" baseline="0" cap="none" i="0" spc="0" strike="noStrike" sz="1800" u="none" kumimoji="0" normalizeH="0">
+          <a:defRPr kumimoji="0" sz="1800" b="0" i="0" u="none" strike="noStrike" cap="none" spc="0" normalizeH="0" baseline="0">
             <a:ln>
               <a:noFill/>
             </a:ln>
@@ -6441,7 +6676,7 @@
           <a:buFontTx/>
           <a:buNone/>
           <a:tabLst/>
-          <a:defRPr b="0" baseline="0" cap="none" i="0" spc="0" strike="noStrike" sz="1800" u="none" kumimoji="0" normalizeH="0">
+          <a:defRPr kumimoji="0" sz="1800" b="0" i="0" u="none" strike="noStrike" cap="none" spc="0" normalizeH="0" baseline="0">
             <a:ln>
               <a:noFill/>
             </a:ln>
@@ -6467,7 +6702,7 @@
           <a:buFontTx/>
           <a:buNone/>
           <a:tabLst/>
-          <a:defRPr b="0" baseline="0" cap="none" i="0" spc="0" strike="noStrike" sz="1800" u="none" kumimoji="0" normalizeH="0">
+          <a:defRPr kumimoji="0" sz="1800" b="0" i="0" u="none" strike="noStrike" cap="none" spc="0" normalizeH="0" baseline="0">
             <a:ln>
               <a:noFill/>
             </a:ln>
@@ -6480,9 +6715,15 @@
         </a:lvl9pPr>
       </a:lstStyle>
       <a:style>
-        <a:lnRef idx="0"/>
-        <a:fillRef idx="0"/>
-        <a:effectRef idx="0"/>
+        <a:lnRef idx="0">
+          <a:scrgbClr r="0" g="0" b="0"/>
+        </a:lnRef>
+        <a:fillRef idx="0">
+          <a:scrgbClr r="0" g="0" b="0"/>
+        </a:fillRef>
+        <a:effectRef idx="0">
+          <a:scrgbClr r="0" g="0" b="0"/>
+        </a:effectRef>
         <a:fontRef idx="none"/>
       </a:style>
     </a:spDef>
@@ -6499,7 +6740,7 @@
         <a:effectLst/>
         <a:sp3d/>
       </a:spPr>
-      <a:bodyPr rot="0" spcFirstLastPara="1" vertOverflow="overflow" horzOverflow="overflow" vert="horz" wrap="square" lIns="91439" tIns="45719" rIns="91439" bIns="45719" numCol="1" spcCol="38100" rtlCol="0" anchor="t" upright="0">
+      <a:bodyPr rot="0" spcFirstLastPara="1" vertOverflow="overflow" horzOverflow="overflow" vert="horz" wrap="square" lIns="91439" tIns="45719" rIns="91439" bIns="45719" numCol="1" spcCol="38100" rtlCol="0" anchor="t">
         <a:noAutofit/>
       </a:bodyPr>
       <a:lstStyle>
@@ -6518,7 +6759,7 @@
           <a:buFontTx/>
           <a:buNone/>
           <a:tabLst/>
-          <a:defRPr b="0" baseline="0" cap="none" i="0" spc="0" strike="noStrike" sz="1800" u="none" kumimoji="0" normalizeH="0">
+          <a:defRPr kumimoji="0" sz="1800" b="0" i="0" u="none" strike="noStrike" cap="none" spc="0" normalizeH="0" baseline="0">
             <a:ln>
               <a:noFill/>
             </a:ln>
@@ -6544,7 +6785,7 @@
           <a:buFontTx/>
           <a:buNone/>
           <a:tabLst/>
-          <a:defRPr b="0" baseline="0" cap="none" i="0" spc="0" strike="noStrike" sz="1800" u="none" kumimoji="0" normalizeH="0">
+          <a:defRPr kumimoji="0" sz="1800" b="0" i="0" u="none" strike="noStrike" cap="none" spc="0" normalizeH="0" baseline="0">
             <a:ln>
               <a:noFill/>
             </a:ln>
@@ -6570,7 +6811,7 @@
           <a:buFontTx/>
           <a:buNone/>
           <a:tabLst/>
-          <a:defRPr b="0" baseline="0" cap="none" i="0" spc="0" strike="noStrike" sz="1800" u="none" kumimoji="0" normalizeH="0">
+          <a:defRPr kumimoji="0" sz="1800" b="0" i="0" u="none" strike="noStrike" cap="none" spc="0" normalizeH="0" baseline="0">
             <a:ln>
               <a:noFill/>
             </a:ln>
@@ -6596,7 +6837,7 @@
           <a:buFontTx/>
           <a:buNone/>
           <a:tabLst/>
-          <a:defRPr b="0" baseline="0" cap="none" i="0" spc="0" strike="noStrike" sz="1800" u="none" kumimoji="0" normalizeH="0">
+          <a:defRPr kumimoji="0" sz="1800" b="0" i="0" u="none" strike="noStrike" cap="none" spc="0" normalizeH="0" baseline="0">
             <a:ln>
               <a:noFill/>
             </a:ln>
@@ -6622,7 +6863,7 @@
           <a:buFontTx/>
           <a:buNone/>
           <a:tabLst/>
-          <a:defRPr b="0" baseline="0" cap="none" i="0" spc="0" strike="noStrike" sz="1800" u="none" kumimoji="0" normalizeH="0">
+          <a:defRPr kumimoji="0" sz="1800" b="0" i="0" u="none" strike="noStrike" cap="none" spc="0" normalizeH="0" baseline="0">
             <a:ln>
               <a:noFill/>
             </a:ln>
@@ -6648,7 +6889,7 @@
           <a:buFontTx/>
           <a:buNone/>
           <a:tabLst/>
-          <a:defRPr b="0" baseline="0" cap="none" i="0" spc="0" strike="noStrike" sz="1800" u="none" kumimoji="0" normalizeH="0">
+          <a:defRPr kumimoji="0" sz="1800" b="0" i="0" u="none" strike="noStrike" cap="none" spc="0" normalizeH="0" baseline="0">
             <a:ln>
               <a:noFill/>
             </a:ln>
@@ -6674,7 +6915,7 @@
           <a:buFontTx/>
           <a:buNone/>
           <a:tabLst/>
-          <a:defRPr b="0" baseline="0" cap="none" i="0" spc="0" strike="noStrike" sz="1800" u="none" kumimoji="0" normalizeH="0">
+          <a:defRPr kumimoji="0" sz="1800" b="0" i="0" u="none" strike="noStrike" cap="none" spc="0" normalizeH="0" baseline="0">
             <a:ln>
               <a:noFill/>
             </a:ln>
@@ -6700,7 +6941,7 @@
           <a:buFontTx/>
           <a:buNone/>
           <a:tabLst/>
-          <a:defRPr b="0" baseline="0" cap="none" i="0" spc="0" strike="noStrike" sz="1800" u="none" kumimoji="0" normalizeH="0">
+          <a:defRPr kumimoji="0" sz="1800" b="0" i="0" u="none" strike="noStrike" cap="none" spc="0" normalizeH="0" baseline="0">
             <a:ln>
               <a:noFill/>
             </a:ln>
@@ -6726,7 +6967,7 @@
           <a:buFontTx/>
           <a:buNone/>
           <a:tabLst/>
-          <a:defRPr b="0" baseline="0" cap="none" i="0" spc="0" strike="noStrike" sz="1800" u="none" kumimoji="0" normalizeH="0">
+          <a:defRPr kumimoji="0" sz="1800" b="0" i="0" u="none" strike="noStrike" cap="none" spc="0" normalizeH="0" baseline="0">
             <a:ln>
               <a:noFill/>
             </a:ln>
@@ -6752,7 +6993,7 @@
           <a:buFontTx/>
           <a:buNone/>
           <a:tabLst/>
-          <a:defRPr b="0" baseline="0" cap="none" i="0" spc="0" strike="noStrike" sz="1800" u="none" kumimoji="0" normalizeH="0">
+          <a:defRPr kumimoji="0" sz="1800" b="0" i="0" u="none" strike="noStrike" cap="none" spc="0" normalizeH="0" baseline="0">
             <a:ln>
               <a:noFill/>
             </a:ln>
@@ -6765,9 +7006,15 @@
         </a:lvl9pPr>
       </a:lstStyle>
       <a:style>
-        <a:lnRef idx="0"/>
-        <a:fillRef idx="0"/>
-        <a:effectRef idx="0"/>
+        <a:lnRef idx="0">
+          <a:scrgbClr r="0" g="0" b="0"/>
+        </a:lnRef>
+        <a:fillRef idx="0">
+          <a:scrgbClr r="0" g="0" b="0"/>
+        </a:fillRef>
+        <a:effectRef idx="0">
+          <a:scrgbClr r="0" g="0" b="0"/>
+        </a:effectRef>
         <a:fontRef idx="none"/>
       </a:style>
     </a:lnDef>
@@ -6781,7 +7028,7 @@
         <a:effectLst/>
         <a:sp3d/>
       </a:spPr>
-      <a:bodyPr rot="0" spcFirstLastPara="1" vertOverflow="overflow" horzOverflow="overflow" vert="horz" wrap="square" lIns="50800" tIns="50800" rIns="50800" bIns="50800" numCol="1" spcCol="38100" rtlCol="0" anchor="ctr" upright="0">
+      <a:bodyPr rot="0" spcFirstLastPara="1" vertOverflow="overflow" horzOverflow="overflow" vert="horz" wrap="square" lIns="50800" tIns="50800" rIns="50800" bIns="50800" numCol="1" spcCol="38100" rtlCol="0" anchor="ctr">
         <a:spAutoFit/>
       </a:bodyPr>
       <a:lstStyle>
@@ -6800,7 +7047,7 @@
           <a:buFontTx/>
           <a:buNone/>
           <a:tabLst/>
-          <a:defRPr b="1" baseline="0" cap="none" i="0" spc="0" strike="noStrike" sz="2400" u="none" kumimoji="0" normalizeH="0">
+          <a:defRPr kumimoji="0" sz="2400" b="1" i="0" u="none" strike="noStrike" cap="none" spc="0" normalizeH="0" baseline="0">
             <a:ln>
               <a:noFill/>
             </a:ln>
@@ -6830,7 +7077,7 @@
           <a:buFontTx/>
           <a:buNone/>
           <a:tabLst/>
-          <a:defRPr b="0" baseline="0" cap="none" i="0" spc="0" strike="noStrike" sz="1800" u="none" kumimoji="0" normalizeH="0">
+          <a:defRPr kumimoji="0" sz="1800" b="0" i="0" u="none" strike="noStrike" cap="none" spc="0" normalizeH="0" baseline="0">
             <a:ln>
               <a:noFill/>
             </a:ln>
@@ -6856,7 +7103,7 @@
           <a:buFontTx/>
           <a:buNone/>
           <a:tabLst/>
-          <a:defRPr b="0" baseline="0" cap="none" i="0" spc="0" strike="noStrike" sz="1800" u="none" kumimoji="0" normalizeH="0">
+          <a:defRPr kumimoji="0" sz="1800" b="0" i="0" u="none" strike="noStrike" cap="none" spc="0" normalizeH="0" baseline="0">
             <a:ln>
               <a:noFill/>
             </a:ln>
@@ -6882,7 +7129,7 @@
           <a:buFontTx/>
           <a:buNone/>
           <a:tabLst/>
-          <a:defRPr b="0" baseline="0" cap="none" i="0" spc="0" strike="noStrike" sz="1800" u="none" kumimoji="0" normalizeH="0">
+          <a:defRPr kumimoji="0" sz="1800" b="0" i="0" u="none" strike="noStrike" cap="none" spc="0" normalizeH="0" baseline="0">
             <a:ln>
               <a:noFill/>
             </a:ln>
@@ -6908,7 +7155,7 @@
           <a:buFontTx/>
           <a:buNone/>
           <a:tabLst/>
-          <a:defRPr b="0" baseline="0" cap="none" i="0" spc="0" strike="noStrike" sz="1800" u="none" kumimoji="0" normalizeH="0">
+          <a:defRPr kumimoji="0" sz="1800" b="0" i="0" u="none" strike="noStrike" cap="none" spc="0" normalizeH="0" baseline="0">
             <a:ln>
               <a:noFill/>
             </a:ln>
@@ -6934,7 +7181,7 @@
           <a:buFontTx/>
           <a:buNone/>
           <a:tabLst/>
-          <a:defRPr b="0" baseline="0" cap="none" i="0" spc="0" strike="noStrike" sz="1800" u="none" kumimoji="0" normalizeH="0">
+          <a:defRPr kumimoji="0" sz="1800" b="0" i="0" u="none" strike="noStrike" cap="none" spc="0" normalizeH="0" baseline="0">
             <a:ln>
               <a:noFill/>
             </a:ln>
@@ -6960,7 +7207,7 @@
           <a:buFontTx/>
           <a:buNone/>
           <a:tabLst/>
-          <a:defRPr b="0" baseline="0" cap="none" i="0" spc="0" strike="noStrike" sz="1800" u="none" kumimoji="0" normalizeH="0">
+          <a:defRPr kumimoji="0" sz="1800" b="0" i="0" u="none" strike="noStrike" cap="none" spc="0" normalizeH="0" baseline="0">
             <a:ln>
               <a:noFill/>
             </a:ln>
@@ -6986,7 +7233,7 @@
           <a:buFontTx/>
           <a:buNone/>
           <a:tabLst/>
-          <a:defRPr b="0" baseline="0" cap="none" i="0" spc="0" strike="noStrike" sz="1800" u="none" kumimoji="0" normalizeH="0">
+          <a:defRPr kumimoji="0" sz="1800" b="0" i="0" u="none" strike="noStrike" cap="none" spc="0" normalizeH="0" baseline="0">
             <a:ln>
               <a:noFill/>
             </a:ln>
@@ -7012,7 +7259,7 @@
           <a:buFontTx/>
           <a:buNone/>
           <a:tabLst/>
-          <a:defRPr b="0" baseline="0" cap="none" i="0" spc="0" strike="noStrike" sz="1800" u="none" kumimoji="0" normalizeH="0">
+          <a:defRPr kumimoji="0" sz="1800" b="0" i="0" u="none" strike="noStrike" cap="none" spc="0" normalizeH="0" baseline="0">
             <a:ln>
               <a:noFill/>
             </a:ln>
@@ -7038,7 +7285,7 @@
           <a:buFontTx/>
           <a:buNone/>
           <a:tabLst/>
-          <a:defRPr b="0" baseline="0" cap="none" i="0" spc="0" strike="noStrike" sz="1800" u="none" kumimoji="0" normalizeH="0">
+          <a:defRPr kumimoji="0" sz="1800" b="0" i="0" u="none" strike="noStrike" cap="none" spc="0" normalizeH="0" baseline="0">
             <a:ln>
               <a:noFill/>
             </a:ln>
@@ -7051,18 +7298,25 @@
         </a:lvl9pPr>
       </a:lstStyle>
       <a:style>
-        <a:lnRef idx="0"/>
-        <a:fillRef idx="0"/>
-        <a:effectRef idx="0"/>
+        <a:lnRef idx="0">
+          <a:scrgbClr r="0" g="0" b="0"/>
+        </a:lnRef>
+        <a:fillRef idx="0">
+          <a:scrgbClr r="0" g="0" b="0"/>
+        </a:fillRef>
+        <a:effectRef idx="0">
+          <a:scrgbClr r="0" g="0" b="0"/>
+        </a:effectRef>
         <a:fontRef idx="none"/>
       </a:style>
     </a:txDef>
   </a:objectDefaults>
+  <a:extraClrSchemeLst/>
 </a:theme>
 </file>
 
 <file path=ppt/theme/theme2.xml><?xml version="1.0" encoding="utf-8"?>
-<a:theme xmlns:a="http://schemas.openxmlformats.org/drawingml/2006/main" xmlns:r="http://schemas.openxmlformats.org/officeDocument/2006/relationships" name="White">
+<a:theme xmlns:a="http://schemas.openxmlformats.org/drawingml/2006/main" name="White">
   <a:themeElements>
     <a:clrScheme name="White">
       <a:dk1>
@@ -7261,7 +7515,7 @@
         <a:effectLst/>
         <a:sp3d/>
       </a:spPr>
-      <a:bodyPr rot="0" spcFirstLastPara="1" vertOverflow="overflow" horzOverflow="overflow" vert="horz" wrap="square" lIns="50800" tIns="50800" rIns="50800" bIns="50800" numCol="1" spcCol="38100" rtlCol="0" anchor="ctr" upright="0">
+      <a:bodyPr rot="0" spcFirstLastPara="1" vertOverflow="overflow" horzOverflow="overflow" vert="horz" wrap="square" lIns="50800" tIns="50800" rIns="50800" bIns="50800" numCol="1" spcCol="38100" rtlCol="0" anchor="ctr">
         <a:spAutoFit/>
       </a:bodyPr>
       <a:lstStyle>
@@ -7280,7 +7534,7 @@
           <a:buFontTx/>
           <a:buNone/>
           <a:tabLst/>
-          <a:defRPr b="0" baseline="0" cap="none" i="0" spc="0" strike="noStrike" sz="2200" u="none" kumimoji="0" normalizeH="0">
+          <a:defRPr kumimoji="0" sz="2200" b="0" i="0" u="none" strike="noStrike" cap="none" spc="0" normalizeH="0" baseline="0">
             <a:ln>
               <a:noFill/>
             </a:ln>
@@ -7310,7 +7564,7 @@
           <a:buFontTx/>
           <a:buNone/>
           <a:tabLst/>
-          <a:defRPr b="0" baseline="0" cap="none" i="0" spc="0" strike="noStrike" sz="1800" u="none" kumimoji="0" normalizeH="0">
+          <a:defRPr kumimoji="0" sz="1800" b="0" i="0" u="none" strike="noStrike" cap="none" spc="0" normalizeH="0" baseline="0">
             <a:ln>
               <a:noFill/>
             </a:ln>
@@ -7336,7 +7590,7 @@
           <a:buFontTx/>
           <a:buNone/>
           <a:tabLst/>
-          <a:defRPr b="0" baseline="0" cap="none" i="0" spc="0" strike="noStrike" sz="1800" u="none" kumimoji="0" normalizeH="0">
+          <a:defRPr kumimoji="0" sz="1800" b="0" i="0" u="none" strike="noStrike" cap="none" spc="0" normalizeH="0" baseline="0">
             <a:ln>
               <a:noFill/>
             </a:ln>
@@ -7362,7 +7616,7 @@
           <a:buFontTx/>
           <a:buNone/>
           <a:tabLst/>
-          <a:defRPr b="0" baseline="0" cap="none" i="0" spc="0" strike="noStrike" sz="1800" u="none" kumimoji="0" normalizeH="0">
+          <a:defRPr kumimoji="0" sz="1800" b="0" i="0" u="none" strike="noStrike" cap="none" spc="0" normalizeH="0" baseline="0">
             <a:ln>
               <a:noFill/>
             </a:ln>
@@ -7388,7 +7642,7 @@
           <a:buFontTx/>
           <a:buNone/>
           <a:tabLst/>
-          <a:defRPr b="0" baseline="0" cap="none" i="0" spc="0" strike="noStrike" sz="1800" u="none" kumimoji="0" normalizeH="0">
+          <a:defRPr kumimoji="0" sz="1800" b="0" i="0" u="none" strike="noStrike" cap="none" spc="0" normalizeH="0" baseline="0">
             <a:ln>
               <a:noFill/>
             </a:ln>
@@ -7414,7 +7668,7 @@
           <a:buFontTx/>
           <a:buNone/>
           <a:tabLst/>
-          <a:defRPr b="0" baseline="0" cap="none" i="0" spc="0" strike="noStrike" sz="1800" u="none" kumimoji="0" normalizeH="0">
+          <a:defRPr kumimoji="0" sz="1800" b="0" i="0" u="none" strike="noStrike" cap="none" spc="0" normalizeH="0" baseline="0">
             <a:ln>
               <a:noFill/>
             </a:ln>
@@ -7440,7 +7694,7 @@
           <a:buFontTx/>
           <a:buNone/>
           <a:tabLst/>
-          <a:defRPr b="0" baseline="0" cap="none" i="0" spc="0" strike="noStrike" sz="1800" u="none" kumimoji="0" normalizeH="0">
+          <a:defRPr kumimoji="0" sz="1800" b="0" i="0" u="none" strike="noStrike" cap="none" spc="0" normalizeH="0" baseline="0">
             <a:ln>
               <a:noFill/>
             </a:ln>
@@ -7466,7 +7720,7 @@
           <a:buFontTx/>
           <a:buNone/>
           <a:tabLst/>
-          <a:defRPr b="0" baseline="0" cap="none" i="0" spc="0" strike="noStrike" sz="1800" u="none" kumimoji="0" normalizeH="0">
+          <a:defRPr kumimoji="0" sz="1800" b="0" i="0" u="none" strike="noStrike" cap="none" spc="0" normalizeH="0" baseline="0">
             <a:ln>
               <a:noFill/>
             </a:ln>
@@ -7492,7 +7746,7 @@
           <a:buFontTx/>
           <a:buNone/>
           <a:tabLst/>
-          <a:defRPr b="0" baseline="0" cap="none" i="0" spc="0" strike="noStrike" sz="1800" u="none" kumimoji="0" normalizeH="0">
+          <a:defRPr kumimoji="0" sz="1800" b="0" i="0" u="none" strike="noStrike" cap="none" spc="0" normalizeH="0" baseline="0">
             <a:ln>
               <a:noFill/>
             </a:ln>
@@ -7518,7 +7772,7 @@
           <a:buFontTx/>
           <a:buNone/>
           <a:tabLst/>
-          <a:defRPr b="0" baseline="0" cap="none" i="0" spc="0" strike="noStrike" sz="1800" u="none" kumimoji="0" normalizeH="0">
+          <a:defRPr kumimoji="0" sz="1800" b="0" i="0" u="none" strike="noStrike" cap="none" spc="0" normalizeH="0" baseline="0">
             <a:ln>
               <a:noFill/>
             </a:ln>
@@ -7531,9 +7785,15 @@
         </a:lvl9pPr>
       </a:lstStyle>
       <a:style>
-        <a:lnRef idx="0"/>
-        <a:fillRef idx="0"/>
-        <a:effectRef idx="0"/>
+        <a:lnRef idx="0">
+          <a:scrgbClr r="0" g="0" b="0"/>
+        </a:lnRef>
+        <a:fillRef idx="0">
+          <a:scrgbClr r="0" g="0" b="0"/>
+        </a:fillRef>
+        <a:effectRef idx="0">
+          <a:scrgbClr r="0" g="0" b="0"/>
+        </a:effectRef>
         <a:fontRef idx="none"/>
       </a:style>
     </a:spDef>
@@ -7550,7 +7810,7 @@
         <a:effectLst/>
         <a:sp3d/>
       </a:spPr>
-      <a:bodyPr rot="0" spcFirstLastPara="1" vertOverflow="overflow" horzOverflow="overflow" vert="horz" wrap="square" lIns="91439" tIns="45719" rIns="91439" bIns="45719" numCol="1" spcCol="38100" rtlCol="0" anchor="t" upright="0">
+      <a:bodyPr rot="0" spcFirstLastPara="1" vertOverflow="overflow" horzOverflow="overflow" vert="horz" wrap="square" lIns="91439" tIns="45719" rIns="91439" bIns="45719" numCol="1" spcCol="38100" rtlCol="0" anchor="t">
         <a:noAutofit/>
       </a:bodyPr>
       <a:lstStyle>
@@ -7569,7 +7829,7 @@
           <a:buFontTx/>
           <a:buNone/>
           <a:tabLst/>
-          <a:defRPr b="0" baseline="0" cap="none" i="0" spc="0" strike="noStrike" sz="1800" u="none" kumimoji="0" normalizeH="0">
+          <a:defRPr kumimoji="0" sz="1800" b="0" i="0" u="none" strike="noStrike" cap="none" spc="0" normalizeH="0" baseline="0">
             <a:ln>
               <a:noFill/>
             </a:ln>
@@ -7595,7 +7855,7 @@
           <a:buFontTx/>
           <a:buNone/>
           <a:tabLst/>
-          <a:defRPr b="0" baseline="0" cap="none" i="0" spc="0" strike="noStrike" sz="1800" u="none" kumimoji="0" normalizeH="0">
+          <a:defRPr kumimoji="0" sz="1800" b="0" i="0" u="none" strike="noStrike" cap="none" spc="0" normalizeH="0" baseline="0">
             <a:ln>
               <a:noFill/>
             </a:ln>
@@ -7621,7 +7881,7 @@
           <a:buFontTx/>
           <a:buNone/>
           <a:tabLst/>
-          <a:defRPr b="0" baseline="0" cap="none" i="0" spc="0" strike="noStrike" sz="1800" u="none" kumimoji="0" normalizeH="0">
+          <a:defRPr kumimoji="0" sz="1800" b="0" i="0" u="none" strike="noStrike" cap="none" spc="0" normalizeH="0" baseline="0">
             <a:ln>
               <a:noFill/>
             </a:ln>
@@ -7647,7 +7907,7 @@
           <a:buFontTx/>
           <a:buNone/>
           <a:tabLst/>
-          <a:defRPr b="0" baseline="0" cap="none" i="0" spc="0" strike="noStrike" sz="1800" u="none" kumimoji="0" normalizeH="0">
+          <a:defRPr kumimoji="0" sz="1800" b="0" i="0" u="none" strike="noStrike" cap="none" spc="0" normalizeH="0" baseline="0">
             <a:ln>
               <a:noFill/>
             </a:ln>
@@ -7673,7 +7933,7 @@
           <a:buFontTx/>
           <a:buNone/>
           <a:tabLst/>
-          <a:defRPr b="0" baseline="0" cap="none" i="0" spc="0" strike="noStrike" sz="1800" u="none" kumimoji="0" normalizeH="0">
+          <a:defRPr kumimoji="0" sz="1800" b="0" i="0" u="none" strike="noStrike" cap="none" spc="0" normalizeH="0" baseline="0">
             <a:ln>
               <a:noFill/>
             </a:ln>
@@ -7699,7 +7959,7 @@
           <a:buFontTx/>
           <a:buNone/>
           <a:tabLst/>
-          <a:defRPr b="0" baseline="0" cap="none" i="0" spc="0" strike="noStrike" sz="1800" u="none" kumimoji="0" normalizeH="0">
+          <a:defRPr kumimoji="0" sz="1800" b="0" i="0" u="none" strike="noStrike" cap="none" spc="0" normalizeH="0" baseline="0">
             <a:ln>
               <a:noFill/>
             </a:ln>
@@ -7725,7 +7985,7 @@
           <a:buFontTx/>
           <a:buNone/>
           <a:tabLst/>
-          <a:defRPr b="0" baseline="0" cap="none" i="0" spc="0" strike="noStrike" sz="1800" u="none" kumimoji="0" normalizeH="0">
+          <a:defRPr kumimoji="0" sz="1800" b="0" i="0" u="none" strike="noStrike" cap="none" spc="0" normalizeH="0" baseline="0">
             <a:ln>
               <a:noFill/>
             </a:ln>
@@ -7751,7 +8011,7 @@
           <a:buFontTx/>
           <a:buNone/>
           <a:tabLst/>
-          <a:defRPr b="0" baseline="0" cap="none" i="0" spc="0" strike="noStrike" sz="1800" u="none" kumimoji="0" normalizeH="0">
+          <a:defRPr kumimoji="0" sz="1800" b="0" i="0" u="none" strike="noStrike" cap="none" spc="0" normalizeH="0" baseline="0">
             <a:ln>
               <a:noFill/>
             </a:ln>
@@ -7777,7 +8037,7 @@
           <a:buFontTx/>
           <a:buNone/>
           <a:tabLst/>
-          <a:defRPr b="0" baseline="0" cap="none" i="0" spc="0" strike="noStrike" sz="1800" u="none" kumimoji="0" normalizeH="0">
+          <a:defRPr kumimoji="0" sz="1800" b="0" i="0" u="none" strike="noStrike" cap="none" spc="0" normalizeH="0" baseline="0">
             <a:ln>
               <a:noFill/>
             </a:ln>
@@ -7803,7 +8063,7 @@
           <a:buFontTx/>
           <a:buNone/>
           <a:tabLst/>
-          <a:defRPr b="0" baseline="0" cap="none" i="0" spc="0" strike="noStrike" sz="1800" u="none" kumimoji="0" normalizeH="0">
+          <a:defRPr kumimoji="0" sz="1800" b="0" i="0" u="none" strike="noStrike" cap="none" spc="0" normalizeH="0" baseline="0">
             <a:ln>
               <a:noFill/>
             </a:ln>
@@ -7816,9 +8076,15 @@
         </a:lvl9pPr>
       </a:lstStyle>
       <a:style>
-        <a:lnRef idx="0"/>
-        <a:fillRef idx="0"/>
-        <a:effectRef idx="0"/>
+        <a:lnRef idx="0">
+          <a:scrgbClr r="0" g="0" b="0"/>
+        </a:lnRef>
+        <a:fillRef idx="0">
+          <a:scrgbClr r="0" g="0" b="0"/>
+        </a:fillRef>
+        <a:effectRef idx="0">
+          <a:scrgbClr r="0" g="0" b="0"/>
+        </a:effectRef>
         <a:fontRef idx="none"/>
       </a:style>
     </a:lnDef>
@@ -7832,7 +8098,7 @@
         <a:effectLst/>
         <a:sp3d/>
       </a:spPr>
-      <a:bodyPr rot="0" spcFirstLastPara="1" vertOverflow="overflow" horzOverflow="overflow" vert="horz" wrap="square" lIns="50800" tIns="50800" rIns="50800" bIns="50800" numCol="1" spcCol="38100" rtlCol="0" anchor="ctr" upright="0">
+      <a:bodyPr rot="0" spcFirstLastPara="1" vertOverflow="overflow" horzOverflow="overflow" vert="horz" wrap="square" lIns="50800" tIns="50800" rIns="50800" bIns="50800" numCol="1" spcCol="38100" rtlCol="0" anchor="ctr">
         <a:spAutoFit/>
       </a:bodyPr>
       <a:lstStyle>
@@ -7851,7 +8117,7 @@
           <a:buFontTx/>
           <a:buNone/>
           <a:tabLst/>
-          <a:defRPr b="1" baseline="0" cap="none" i="0" spc="0" strike="noStrike" sz="2400" u="none" kumimoji="0" normalizeH="0">
+          <a:defRPr kumimoji="0" sz="2400" b="1" i="0" u="none" strike="noStrike" cap="none" spc="0" normalizeH="0" baseline="0">
             <a:ln>
               <a:noFill/>
             </a:ln>
@@ -7881,7 +8147,7 @@
           <a:buFontTx/>
           <a:buNone/>
           <a:tabLst/>
-          <a:defRPr b="0" baseline="0" cap="none" i="0" spc="0" strike="noStrike" sz="1800" u="none" kumimoji="0" normalizeH="0">
+          <a:defRPr kumimoji="0" sz="1800" b="0" i="0" u="none" strike="noStrike" cap="none" spc="0" normalizeH="0" baseline="0">
             <a:ln>
               <a:noFill/>
             </a:ln>
@@ -7907,7 +8173,7 @@
           <a:buFontTx/>
           <a:buNone/>
           <a:tabLst/>
-          <a:defRPr b="0" baseline="0" cap="none" i="0" spc="0" strike="noStrike" sz="1800" u="none" kumimoji="0" normalizeH="0">
+          <a:defRPr kumimoji="0" sz="1800" b="0" i="0" u="none" strike="noStrike" cap="none" spc="0" normalizeH="0" baseline="0">
             <a:ln>
               <a:noFill/>
             </a:ln>
@@ -7933,7 +8199,7 @@
           <a:buFontTx/>
           <a:buNone/>
           <a:tabLst/>
-          <a:defRPr b="0" baseline="0" cap="none" i="0" spc="0" strike="noStrike" sz="1800" u="none" kumimoji="0" normalizeH="0">
+          <a:defRPr kumimoji="0" sz="1800" b="0" i="0" u="none" strike="noStrike" cap="none" spc="0" normalizeH="0" baseline="0">
             <a:ln>
               <a:noFill/>
             </a:ln>
@@ -7959,7 +8225,7 @@
           <a:buFontTx/>
           <a:buNone/>
           <a:tabLst/>
-          <a:defRPr b="0" baseline="0" cap="none" i="0" spc="0" strike="noStrike" sz="1800" u="none" kumimoji="0" normalizeH="0">
+          <a:defRPr kumimoji="0" sz="1800" b="0" i="0" u="none" strike="noStrike" cap="none" spc="0" normalizeH="0" baseline="0">
             <a:ln>
               <a:noFill/>
             </a:ln>
@@ -7985,7 +8251,7 @@
           <a:buFontTx/>
           <a:buNone/>
           <a:tabLst/>
-          <a:defRPr b="0" baseline="0" cap="none" i="0" spc="0" strike="noStrike" sz="1800" u="none" kumimoji="0" normalizeH="0">
+          <a:defRPr kumimoji="0" sz="1800" b="0" i="0" u="none" strike="noStrike" cap="none" spc="0" normalizeH="0" baseline="0">
             <a:ln>
               <a:noFill/>
             </a:ln>
@@ -8011,7 +8277,7 @@
           <a:buFontTx/>
           <a:buNone/>
           <a:tabLst/>
-          <a:defRPr b="0" baseline="0" cap="none" i="0" spc="0" strike="noStrike" sz="1800" u="none" kumimoji="0" normalizeH="0">
+          <a:defRPr kumimoji="0" sz="1800" b="0" i="0" u="none" strike="noStrike" cap="none" spc="0" normalizeH="0" baseline="0">
             <a:ln>
               <a:noFill/>
             </a:ln>
@@ -8037,7 +8303,7 @@
           <a:buFontTx/>
           <a:buNone/>
           <a:tabLst/>
-          <a:defRPr b="0" baseline="0" cap="none" i="0" spc="0" strike="noStrike" sz="1800" u="none" kumimoji="0" normalizeH="0">
+          <a:defRPr kumimoji="0" sz="1800" b="0" i="0" u="none" strike="noStrike" cap="none" spc="0" normalizeH="0" baseline="0">
             <a:ln>
               <a:noFill/>
             </a:ln>
@@ -8063,7 +8329,7 @@
           <a:buFontTx/>
           <a:buNone/>
           <a:tabLst/>
-          <a:defRPr b="0" baseline="0" cap="none" i="0" spc="0" strike="noStrike" sz="1800" u="none" kumimoji="0" normalizeH="0">
+          <a:defRPr kumimoji="0" sz="1800" b="0" i="0" u="none" strike="noStrike" cap="none" spc="0" normalizeH="0" baseline="0">
             <a:ln>
               <a:noFill/>
             </a:ln>
@@ -8089,7 +8355,7 @@
           <a:buFontTx/>
           <a:buNone/>
           <a:tabLst/>
-          <a:defRPr b="0" baseline="0" cap="none" i="0" spc="0" strike="noStrike" sz="1800" u="none" kumimoji="0" normalizeH="0">
+          <a:defRPr kumimoji="0" sz="1800" b="0" i="0" u="none" strike="noStrike" cap="none" spc="0" normalizeH="0" baseline="0">
             <a:ln>
               <a:noFill/>
             </a:ln>
@@ -8102,12 +8368,19 @@
         </a:lvl9pPr>
       </a:lstStyle>
       <a:style>
-        <a:lnRef idx="0"/>
-        <a:fillRef idx="0"/>
-        <a:effectRef idx="0"/>
+        <a:lnRef idx="0">
+          <a:scrgbClr r="0" g="0" b="0"/>
+        </a:lnRef>
+        <a:fillRef idx="0">
+          <a:scrgbClr r="0" g="0" b="0"/>
+        </a:fillRef>
+        <a:effectRef idx="0">
+          <a:scrgbClr r="0" g="0" b="0"/>
+        </a:effectRef>
         <a:fontRef idx="none"/>
       </a:style>
     </a:txDef>
   </a:objectDefaults>
+  <a:extraClrSchemeLst/>
 </a:theme>
 </file>